--- a/DAS_Waveform_Inversion/notebooks/Fig/Figures.pptx
+++ b/DAS_Waveform_Inversion/notebooks/Fig/Figures.pptx
@@ -110,6 +110,11 @@
       </a:defRPr>
     </a:lvl9pPr>
   </p:defaultTextStyle>
+  <p:extLst>
+    <p:ext uri="{EFAFB233-063F-42B5-8137-9DF3F51BA10A}">
+      <p15:sldGuideLst xmlns:p15="http://schemas.microsoft.com/office/powerpoint/2012/main"/>
+    </p:ext>
+  </p:extLst>
 </p:presentation>
 </file>
 
@@ -244,7 +249,7 @@
           <a:p>
             <a:fld id="{DB3CD749-21B9-884D-AE0F-8C13835F11D0}" type="datetimeFigureOut">
               <a:rPr lang="en-US" smtClean="0"/>
-              <a:t>5/6/23</a:t>
+              <a:t>5/26/23</a:t>
             </a:fld>
             <a:endParaRPr lang="en-US"/>
           </a:p>
@@ -414,7 +419,7 @@
           <a:p>
             <a:fld id="{DB3CD749-21B9-884D-AE0F-8C13835F11D0}" type="datetimeFigureOut">
               <a:rPr lang="en-US" smtClean="0"/>
-              <a:t>5/6/23</a:t>
+              <a:t>5/26/23</a:t>
             </a:fld>
             <a:endParaRPr lang="en-US"/>
           </a:p>
@@ -594,7 +599,7 @@
           <a:p>
             <a:fld id="{DB3CD749-21B9-884D-AE0F-8C13835F11D0}" type="datetimeFigureOut">
               <a:rPr lang="en-US" smtClean="0"/>
-              <a:t>5/6/23</a:t>
+              <a:t>5/26/23</a:t>
             </a:fld>
             <a:endParaRPr lang="en-US"/>
           </a:p>
@@ -764,7 +769,7 @@
           <a:p>
             <a:fld id="{DB3CD749-21B9-884D-AE0F-8C13835F11D0}" type="datetimeFigureOut">
               <a:rPr lang="en-US" smtClean="0"/>
-              <a:t>5/6/23</a:t>
+              <a:t>5/26/23</a:t>
             </a:fld>
             <a:endParaRPr lang="en-US"/>
           </a:p>
@@ -1008,7 +1013,7 @@
           <a:p>
             <a:fld id="{DB3CD749-21B9-884D-AE0F-8C13835F11D0}" type="datetimeFigureOut">
               <a:rPr lang="en-US" smtClean="0"/>
-              <a:t>5/6/23</a:t>
+              <a:t>5/26/23</a:t>
             </a:fld>
             <a:endParaRPr lang="en-US"/>
           </a:p>
@@ -1240,7 +1245,7 @@
           <a:p>
             <a:fld id="{DB3CD749-21B9-884D-AE0F-8C13835F11D0}" type="datetimeFigureOut">
               <a:rPr lang="en-US" smtClean="0"/>
-              <a:t>5/6/23</a:t>
+              <a:t>5/26/23</a:t>
             </a:fld>
             <a:endParaRPr lang="en-US"/>
           </a:p>
@@ -1607,7 +1612,7 @@
           <a:p>
             <a:fld id="{DB3CD749-21B9-884D-AE0F-8C13835F11D0}" type="datetimeFigureOut">
               <a:rPr lang="en-US" smtClean="0"/>
-              <a:t>5/6/23</a:t>
+              <a:t>5/26/23</a:t>
             </a:fld>
             <a:endParaRPr lang="en-US"/>
           </a:p>
@@ -1725,7 +1730,7 @@
           <a:p>
             <a:fld id="{DB3CD749-21B9-884D-AE0F-8C13835F11D0}" type="datetimeFigureOut">
               <a:rPr lang="en-US" smtClean="0"/>
-              <a:t>5/6/23</a:t>
+              <a:t>5/26/23</a:t>
             </a:fld>
             <a:endParaRPr lang="en-US"/>
           </a:p>
@@ -1820,7 +1825,7 @@
           <a:p>
             <a:fld id="{DB3CD749-21B9-884D-AE0F-8C13835F11D0}" type="datetimeFigureOut">
               <a:rPr lang="en-US" smtClean="0"/>
-              <a:t>5/6/23</a:t>
+              <a:t>5/26/23</a:t>
             </a:fld>
             <a:endParaRPr lang="en-US"/>
           </a:p>
@@ -2097,7 +2102,7 @@
           <a:p>
             <a:fld id="{DB3CD749-21B9-884D-AE0F-8C13835F11D0}" type="datetimeFigureOut">
               <a:rPr lang="en-US" smtClean="0"/>
-              <a:t>5/6/23</a:t>
+              <a:t>5/26/23</a:t>
             </a:fld>
             <a:endParaRPr lang="en-US"/>
           </a:p>
@@ -2354,7 +2359,7 @@
           <a:p>
             <a:fld id="{DB3CD749-21B9-884D-AE0F-8C13835F11D0}" type="datetimeFigureOut">
               <a:rPr lang="en-US" smtClean="0"/>
-              <a:t>5/6/23</a:t>
+              <a:t>5/26/23</a:t>
             </a:fld>
             <a:endParaRPr lang="en-US"/>
           </a:p>
@@ -2567,7 +2572,7 @@
           <a:p>
             <a:fld id="{DB3CD749-21B9-884D-AE0F-8C13835F11D0}" type="datetimeFigureOut">
               <a:rPr lang="en-US" smtClean="0"/>
-              <a:t>5/6/23</a:t>
+              <a:t>5/26/23</a:t>
             </a:fld>
             <a:endParaRPr lang="en-US"/>
           </a:p>
@@ -3344,8 +3349,8 @@
           </a:p>
         </p:txBody>
       </p:sp>
-      <mc:AlternateContent xmlns:mc="http://schemas.openxmlformats.org/markup-compatibility/2006">
-        <mc:Choice xmlns:a14="http://schemas.microsoft.com/office/drawing/2010/main" Requires="a14">
+      <mc:AlternateContent xmlns:mc="http://schemas.openxmlformats.org/markup-compatibility/2006" xmlns:a14="http://schemas.microsoft.com/office/drawing/2010/main">
+        <mc:Choice Requires="a14">
           <p:sp>
             <p:nvSpPr>
               <p:cNvPr id="17" name="TextBox 16">
@@ -3374,6 +3379,7 @@
               </a:bodyPr>
               <a:lstStyle/>
               <a:p>
+                <a:pPr/>
                 <a14:m>
                   <m:oMathPara xmlns:m="http://schemas.openxmlformats.org/officeDocument/2006/math">
                     <m:oMathParaPr>
@@ -3413,7 +3419,7 @@
             </p:txBody>
           </p:sp>
         </mc:Choice>
-        <mc:Fallback>
+        <mc:Fallback xmlns="">
           <p:sp>
             <p:nvSpPr>
               <p:cNvPr id="17" name="TextBox 16">
@@ -3458,8 +3464,8 @@
           </p:sp>
         </mc:Fallback>
       </mc:AlternateContent>
-      <mc:AlternateContent xmlns:mc="http://schemas.openxmlformats.org/markup-compatibility/2006">
-        <mc:Choice xmlns:a14="http://schemas.microsoft.com/office/drawing/2010/main" Requires="a14">
+      <mc:AlternateContent xmlns:mc="http://schemas.openxmlformats.org/markup-compatibility/2006" xmlns:a14="http://schemas.microsoft.com/office/drawing/2010/main">
+        <mc:Choice Requires="a14">
           <p:sp>
             <p:nvSpPr>
               <p:cNvPr id="21" name="TextBox 20">
@@ -3488,6 +3494,7 @@
               </a:bodyPr>
               <a:lstStyle/>
               <a:p>
+                <a:pPr/>
                 <a14:m>
                   <m:oMathPara xmlns:m="http://schemas.openxmlformats.org/officeDocument/2006/math">
                     <m:oMathParaPr>
@@ -3527,7 +3534,7 @@
             </p:txBody>
           </p:sp>
         </mc:Choice>
-        <mc:Fallback>
+        <mc:Fallback xmlns="">
           <p:sp>
             <p:nvSpPr>
               <p:cNvPr id="21" name="TextBox 20">
@@ -3572,8 +3579,8 @@
           </p:sp>
         </mc:Fallback>
       </mc:AlternateContent>
-      <mc:AlternateContent xmlns:mc="http://schemas.openxmlformats.org/markup-compatibility/2006">
-        <mc:Choice xmlns:a14="http://schemas.microsoft.com/office/drawing/2010/main" Requires="a14">
+      <mc:AlternateContent xmlns:mc="http://schemas.openxmlformats.org/markup-compatibility/2006" xmlns:a14="http://schemas.microsoft.com/office/drawing/2010/main">
+        <mc:Choice Requires="a14">
           <p:sp>
             <p:nvSpPr>
               <p:cNvPr id="23" name="TextBox 22">
@@ -3602,6 +3609,7 @@
               </a:bodyPr>
               <a:lstStyle/>
               <a:p>
+                <a:pPr/>
                 <a14:m>
                   <m:oMathPara xmlns:m="http://schemas.openxmlformats.org/officeDocument/2006/math">
                     <m:oMathParaPr>
@@ -3623,7 +3631,7 @@
             </p:txBody>
           </p:sp>
         </mc:Choice>
-        <mc:Fallback>
+        <mc:Fallback xmlns="">
           <p:sp>
             <p:nvSpPr>
               <p:cNvPr id="23" name="TextBox 22">
@@ -3668,8 +3676,8 @@
           </p:sp>
         </mc:Fallback>
       </mc:AlternateContent>
-      <mc:AlternateContent xmlns:mc="http://schemas.openxmlformats.org/markup-compatibility/2006">
-        <mc:Choice xmlns:a14="http://schemas.microsoft.com/office/drawing/2010/main" Requires="a14">
+      <mc:AlternateContent xmlns:mc="http://schemas.openxmlformats.org/markup-compatibility/2006" xmlns:a14="http://schemas.microsoft.com/office/drawing/2010/main">
+        <mc:Choice Requires="a14">
           <p:sp>
             <p:nvSpPr>
               <p:cNvPr id="25" name="TextBox 24">
@@ -3698,6 +3706,7 @@
               </a:bodyPr>
               <a:lstStyle/>
               <a:p>
+                <a:pPr/>
                 <a14:m>
                   <m:oMathPara xmlns:m="http://schemas.openxmlformats.org/officeDocument/2006/math">
                     <m:oMathParaPr>
@@ -3706,19 +3715,19 @@
                     <m:oMath xmlns:m="http://schemas.openxmlformats.org/officeDocument/2006/math">
                       <m:r>
                         <a:rPr lang="en-US" sz="900" b="0" i="1" dirty="0" smtClean="0">
-                          <a:latin typeface="+mj-lt"/>
+                          <a:latin typeface="Cambria Math" panose="02040503050406030204" pitchFamily="18" charset="0"/>
                         </a:rPr>
                         <m:t>𝑚</m:t>
                       </m:r>
                       <m:r>
                         <a:rPr lang="en-US" sz="900" b="0" i="1" dirty="0" smtClean="0">
-                          <a:latin typeface="+mj-lt"/>
+                          <a:latin typeface="Cambria Math" panose="02040503050406030204" pitchFamily="18" charset="0"/>
                         </a:rPr>
                         <m:t>/</m:t>
                       </m:r>
                       <m:r>
                         <a:rPr lang="en-US" sz="900" b="0" i="1" dirty="0" smtClean="0">
-                          <a:latin typeface="+mj-lt"/>
+                          <a:latin typeface="Cambria Math" panose="02040503050406030204" pitchFamily="18" charset="0"/>
                         </a:rPr>
                         <m:t>𝑠</m:t>
                       </m:r>
@@ -3732,7 +3741,7 @@
             </p:txBody>
           </p:sp>
         </mc:Choice>
-        <mc:Fallback>
+        <mc:Fallback xmlns="">
           <p:sp>
             <p:nvSpPr>
               <p:cNvPr id="25" name="TextBox 24">
@@ -3777,8 +3786,8 @@
           </p:sp>
         </mc:Fallback>
       </mc:AlternateContent>
-      <mc:AlternateContent xmlns:mc="http://schemas.openxmlformats.org/markup-compatibility/2006">
-        <mc:Choice xmlns:a14="http://schemas.microsoft.com/office/drawing/2010/main" Requires="a14">
+      <mc:AlternateContent xmlns:mc="http://schemas.openxmlformats.org/markup-compatibility/2006" xmlns:a14="http://schemas.microsoft.com/office/drawing/2010/main">
+        <mc:Choice Requires="a14">
           <p:sp>
             <p:nvSpPr>
               <p:cNvPr id="26" name="TextBox 25">
@@ -3807,6 +3816,7 @@
               </a:bodyPr>
               <a:lstStyle/>
               <a:p>
+                <a:pPr/>
                 <a14:m>
                   <m:oMathPara xmlns:m="http://schemas.openxmlformats.org/officeDocument/2006/math">
                     <m:oMathParaPr>
@@ -3815,19 +3825,19 @@
                     <m:oMath xmlns:m="http://schemas.openxmlformats.org/officeDocument/2006/math">
                       <m:r>
                         <a:rPr lang="en-US" sz="900" b="0" i="1" dirty="0" smtClean="0">
-                          <a:latin typeface="+mj-lt"/>
+                          <a:latin typeface="Cambria Math" panose="02040503050406030204" pitchFamily="18" charset="0"/>
                         </a:rPr>
                         <m:t>𝑚</m:t>
                       </m:r>
                       <m:r>
                         <a:rPr lang="en-US" sz="900" b="0" i="1" dirty="0" smtClean="0">
-                          <a:latin typeface="+mj-lt"/>
+                          <a:latin typeface="Cambria Math" panose="02040503050406030204" pitchFamily="18" charset="0"/>
                         </a:rPr>
                         <m:t>/</m:t>
                       </m:r>
                       <m:r>
                         <a:rPr lang="en-US" sz="900" b="0" i="1" dirty="0" smtClean="0">
-                          <a:latin typeface="+mj-lt"/>
+                          <a:latin typeface="Cambria Math" panose="02040503050406030204" pitchFamily="18" charset="0"/>
                         </a:rPr>
                         <m:t>𝑠</m:t>
                       </m:r>
@@ -3841,7 +3851,7 @@
             </p:txBody>
           </p:sp>
         </mc:Choice>
-        <mc:Fallback>
+        <mc:Fallback xmlns="">
           <p:sp>
             <p:nvSpPr>
               <p:cNvPr id="26" name="TextBox 25">
@@ -3886,8 +3896,8 @@
           </p:sp>
         </mc:Fallback>
       </mc:AlternateContent>
-      <mc:AlternateContent xmlns:mc="http://schemas.openxmlformats.org/markup-compatibility/2006">
-        <mc:Choice xmlns:a14="http://schemas.microsoft.com/office/drawing/2010/main" Requires="a14">
+      <mc:AlternateContent xmlns:mc="http://schemas.openxmlformats.org/markup-compatibility/2006" xmlns:a14="http://schemas.microsoft.com/office/drawing/2010/main">
+        <mc:Choice Requires="a14">
           <p:sp>
             <p:nvSpPr>
               <p:cNvPr id="27" name="TextBox 26">
@@ -3924,7 +3934,7 @@
                   <m:oMath xmlns:m="http://schemas.openxmlformats.org/officeDocument/2006/math">
                     <m:r>
                       <a:rPr lang="en-US" sz="900" b="0" i="1" dirty="0" smtClean="0">
-                        <a:latin typeface="+mj-lt"/>
+                        <a:latin typeface="Cambria Math" panose="02040503050406030204" pitchFamily="18" charset="0"/>
                       </a:rPr>
                       <m:t>/</m:t>
                     </m:r>
@@ -3962,7 +3972,7 @@
             </p:txBody>
           </p:sp>
         </mc:Choice>
-        <mc:Fallback>
+        <mc:Fallback xmlns="">
           <p:sp>
             <p:nvSpPr>
               <p:cNvPr id="27" name="TextBox 26">
@@ -4007,8 +4017,8 @@
           </p:sp>
         </mc:Fallback>
       </mc:AlternateContent>
-      <mc:AlternateContent xmlns:mc="http://schemas.openxmlformats.org/markup-compatibility/2006">
-        <mc:Choice xmlns:a14="http://schemas.microsoft.com/office/drawing/2010/main" Requires="a14">
+      <mc:AlternateContent xmlns:mc="http://schemas.openxmlformats.org/markup-compatibility/2006" xmlns:a14="http://schemas.microsoft.com/office/drawing/2010/main">
+        <mc:Choice Requires="a14">
           <p:sp>
             <p:nvSpPr>
               <p:cNvPr id="28" name="TextBox 27">
@@ -4037,6 +4047,7 @@
               </a:bodyPr>
               <a:lstStyle/>
               <a:p>
+                <a:pPr/>
                 <a14:m>
                   <m:oMathPara xmlns:m="http://schemas.openxmlformats.org/officeDocument/2006/math">
                     <m:oMathParaPr>
@@ -4045,19 +4056,19 @@
                     <m:oMath xmlns:m="http://schemas.openxmlformats.org/officeDocument/2006/math">
                       <m:r>
                         <a:rPr lang="en-US" sz="900" b="0" i="1" dirty="0" smtClean="0">
-                          <a:latin typeface="+mj-lt"/>
+                          <a:latin typeface="Cambria Math" panose="02040503050406030204" pitchFamily="18" charset="0"/>
                         </a:rPr>
                         <m:t>𝑚</m:t>
                       </m:r>
                       <m:r>
                         <a:rPr lang="en-US" sz="900" b="0" i="1" dirty="0" smtClean="0">
-                          <a:latin typeface="+mj-lt"/>
+                          <a:latin typeface="Cambria Math" panose="02040503050406030204" pitchFamily="18" charset="0"/>
                         </a:rPr>
                         <m:t>/</m:t>
                       </m:r>
                       <m:r>
                         <a:rPr lang="en-US" sz="900" b="0" i="1" dirty="0" smtClean="0">
-                          <a:latin typeface="+mj-lt"/>
+                          <a:latin typeface="Cambria Math" panose="02040503050406030204" pitchFamily="18" charset="0"/>
                         </a:rPr>
                         <m:t>𝑠</m:t>
                       </m:r>
@@ -4071,7 +4082,7 @@
             </p:txBody>
           </p:sp>
         </mc:Choice>
-        <mc:Fallback>
+        <mc:Fallback xmlns="">
           <p:sp>
             <p:nvSpPr>
               <p:cNvPr id="28" name="TextBox 27">
@@ -4116,8 +4127,8 @@
           </p:sp>
         </mc:Fallback>
       </mc:AlternateContent>
-      <mc:AlternateContent xmlns:mc="http://schemas.openxmlformats.org/markup-compatibility/2006">
-        <mc:Choice xmlns:a14="http://schemas.microsoft.com/office/drawing/2010/main" Requires="a14">
+      <mc:AlternateContent xmlns:mc="http://schemas.openxmlformats.org/markup-compatibility/2006" xmlns:a14="http://schemas.microsoft.com/office/drawing/2010/main">
+        <mc:Choice Requires="a14">
           <p:sp>
             <p:nvSpPr>
               <p:cNvPr id="29" name="TextBox 28">
@@ -4146,6 +4157,7 @@
               </a:bodyPr>
               <a:lstStyle/>
               <a:p>
+                <a:pPr/>
                 <a14:m>
                   <m:oMathPara xmlns:m="http://schemas.openxmlformats.org/officeDocument/2006/math">
                     <m:oMathParaPr>
@@ -4154,19 +4166,19 @@
                     <m:oMath xmlns:m="http://schemas.openxmlformats.org/officeDocument/2006/math">
                       <m:r>
                         <a:rPr lang="en-US" sz="900" b="0" i="1" dirty="0" smtClean="0">
-                          <a:latin typeface="+mj-lt"/>
+                          <a:latin typeface="Cambria Math" panose="02040503050406030204" pitchFamily="18" charset="0"/>
                         </a:rPr>
                         <m:t>𝑚</m:t>
                       </m:r>
                       <m:r>
                         <a:rPr lang="en-US" sz="900" b="0" i="1" dirty="0" smtClean="0">
-                          <a:latin typeface="+mj-lt"/>
+                          <a:latin typeface="Cambria Math" panose="02040503050406030204" pitchFamily="18" charset="0"/>
                         </a:rPr>
                         <m:t>/</m:t>
                       </m:r>
                       <m:r>
                         <a:rPr lang="en-US" sz="900" b="0" i="1" dirty="0" smtClean="0">
-                          <a:latin typeface="+mj-lt"/>
+                          <a:latin typeface="Cambria Math" panose="02040503050406030204" pitchFamily="18" charset="0"/>
                         </a:rPr>
                         <m:t>𝑠</m:t>
                       </m:r>
@@ -4180,7 +4192,7 @@
             </p:txBody>
           </p:sp>
         </mc:Choice>
-        <mc:Fallback>
+        <mc:Fallback xmlns="">
           <p:sp>
             <p:nvSpPr>
               <p:cNvPr id="29" name="TextBox 28">
@@ -4225,8 +4237,8 @@
           </p:sp>
         </mc:Fallback>
       </mc:AlternateContent>
-      <mc:AlternateContent xmlns:mc="http://schemas.openxmlformats.org/markup-compatibility/2006">
-        <mc:Choice xmlns:a14="http://schemas.microsoft.com/office/drawing/2010/main" Requires="a14">
+      <mc:AlternateContent xmlns:mc="http://schemas.openxmlformats.org/markup-compatibility/2006" xmlns:a14="http://schemas.microsoft.com/office/drawing/2010/main">
+        <mc:Choice Requires="a14">
           <p:sp>
             <p:nvSpPr>
               <p:cNvPr id="30" name="TextBox 29">
@@ -4263,7 +4275,7 @@
                   <m:oMath xmlns:m="http://schemas.openxmlformats.org/officeDocument/2006/math">
                     <m:r>
                       <a:rPr lang="en-US" sz="900" b="0" i="1" dirty="0" smtClean="0">
-                        <a:latin typeface="+mj-lt"/>
+                        <a:latin typeface="Cambria Math" panose="02040503050406030204" pitchFamily="18" charset="0"/>
                       </a:rPr>
                       <m:t>/</m:t>
                     </m:r>
@@ -4301,7 +4313,7 @@
             </p:txBody>
           </p:sp>
         </mc:Choice>
-        <mc:Fallback>
+        <mc:Fallback xmlns="">
           <p:sp>
             <p:nvSpPr>
               <p:cNvPr id="30" name="TextBox 29">
@@ -4346,8 +4358,8 @@
           </p:sp>
         </mc:Fallback>
       </mc:AlternateContent>
-      <mc:AlternateContent xmlns:mc="http://schemas.openxmlformats.org/markup-compatibility/2006">
-        <mc:Choice xmlns:a14="http://schemas.microsoft.com/office/drawing/2010/main" Requires="a14">
+      <mc:AlternateContent xmlns:mc="http://schemas.openxmlformats.org/markup-compatibility/2006" xmlns:a14="http://schemas.microsoft.com/office/drawing/2010/main">
+        <mc:Choice Requires="a14">
           <p:sp>
             <p:nvSpPr>
               <p:cNvPr id="31" name="TextBox 30">
@@ -4376,6 +4388,7 @@
               </a:bodyPr>
               <a:lstStyle/>
               <a:p>
+                <a:pPr/>
                 <a14:m>
                   <m:oMathPara xmlns:m="http://schemas.openxmlformats.org/officeDocument/2006/math">
                     <m:oMathParaPr>
@@ -4384,19 +4397,19 @@
                     <m:oMath xmlns:m="http://schemas.openxmlformats.org/officeDocument/2006/math">
                       <m:r>
                         <a:rPr lang="en-US" sz="900" b="0" i="1" dirty="0" smtClean="0">
-                          <a:latin typeface="+mj-lt"/>
+                          <a:latin typeface="Cambria Math" panose="02040503050406030204" pitchFamily="18" charset="0"/>
                         </a:rPr>
                         <m:t>𝑚</m:t>
                       </m:r>
                       <m:r>
                         <a:rPr lang="en-US" sz="900" b="0" i="1" dirty="0" smtClean="0">
-                          <a:latin typeface="+mj-lt"/>
+                          <a:latin typeface="Cambria Math" panose="02040503050406030204" pitchFamily="18" charset="0"/>
                         </a:rPr>
                         <m:t>/</m:t>
                       </m:r>
                       <m:r>
                         <a:rPr lang="en-US" sz="900" b="0" i="1" dirty="0" smtClean="0">
-                          <a:latin typeface="+mj-lt"/>
+                          <a:latin typeface="Cambria Math" panose="02040503050406030204" pitchFamily="18" charset="0"/>
                         </a:rPr>
                         <m:t>𝑠</m:t>
                       </m:r>
@@ -4410,7 +4423,7 @@
             </p:txBody>
           </p:sp>
         </mc:Choice>
-        <mc:Fallback>
+        <mc:Fallback xmlns="">
           <p:sp>
             <p:nvSpPr>
               <p:cNvPr id="31" name="TextBox 30">
@@ -4455,8 +4468,8 @@
           </p:sp>
         </mc:Fallback>
       </mc:AlternateContent>
-      <mc:AlternateContent xmlns:mc="http://schemas.openxmlformats.org/markup-compatibility/2006">
-        <mc:Choice xmlns:a14="http://schemas.microsoft.com/office/drawing/2010/main" Requires="a14">
+      <mc:AlternateContent xmlns:mc="http://schemas.openxmlformats.org/markup-compatibility/2006" xmlns:a14="http://schemas.microsoft.com/office/drawing/2010/main">
+        <mc:Choice Requires="a14">
           <p:sp>
             <p:nvSpPr>
               <p:cNvPr id="32" name="TextBox 31">
@@ -4485,6 +4498,7 @@
               </a:bodyPr>
               <a:lstStyle/>
               <a:p>
+                <a:pPr/>
                 <a14:m>
                   <m:oMathPara xmlns:m="http://schemas.openxmlformats.org/officeDocument/2006/math">
                     <m:oMathParaPr>
@@ -4493,19 +4507,19 @@
                     <m:oMath xmlns:m="http://schemas.openxmlformats.org/officeDocument/2006/math">
                       <m:r>
                         <a:rPr lang="en-US" sz="900" b="0" i="1" dirty="0" smtClean="0">
-                          <a:latin typeface="+mj-lt"/>
+                          <a:latin typeface="Cambria Math" panose="02040503050406030204" pitchFamily="18" charset="0"/>
                         </a:rPr>
                         <m:t>𝑚</m:t>
                       </m:r>
                       <m:r>
                         <a:rPr lang="en-US" sz="900" b="0" i="1" dirty="0" smtClean="0">
-                          <a:latin typeface="+mj-lt"/>
+                          <a:latin typeface="Cambria Math" panose="02040503050406030204" pitchFamily="18" charset="0"/>
                         </a:rPr>
                         <m:t>/</m:t>
                       </m:r>
                       <m:r>
                         <a:rPr lang="en-US" sz="900" b="0" i="1" dirty="0" smtClean="0">
-                          <a:latin typeface="+mj-lt"/>
+                          <a:latin typeface="Cambria Math" panose="02040503050406030204" pitchFamily="18" charset="0"/>
                         </a:rPr>
                         <m:t>𝑠</m:t>
                       </m:r>
@@ -4519,7 +4533,7 @@
             </p:txBody>
           </p:sp>
         </mc:Choice>
-        <mc:Fallback>
+        <mc:Fallback xmlns="">
           <p:sp>
             <p:nvSpPr>
               <p:cNvPr id="32" name="TextBox 31">
@@ -4564,8 +4578,8 @@
           </p:sp>
         </mc:Fallback>
       </mc:AlternateContent>
-      <mc:AlternateContent xmlns:mc="http://schemas.openxmlformats.org/markup-compatibility/2006">
-        <mc:Choice xmlns:a14="http://schemas.microsoft.com/office/drawing/2010/main" Requires="a14">
+      <mc:AlternateContent xmlns:mc="http://schemas.openxmlformats.org/markup-compatibility/2006" xmlns:a14="http://schemas.microsoft.com/office/drawing/2010/main">
+        <mc:Choice Requires="a14">
           <p:sp>
             <p:nvSpPr>
               <p:cNvPr id="33" name="TextBox 32">
@@ -4602,7 +4616,7 @@
                   <m:oMath xmlns:m="http://schemas.openxmlformats.org/officeDocument/2006/math">
                     <m:r>
                       <a:rPr lang="en-US" sz="900" b="0" i="1" dirty="0" smtClean="0">
-                        <a:latin typeface="+mj-lt"/>
+                        <a:latin typeface="Cambria Math" panose="02040503050406030204" pitchFamily="18" charset="0"/>
                       </a:rPr>
                       <m:t>/</m:t>
                     </m:r>
@@ -4640,7 +4654,7 @@
             </p:txBody>
           </p:sp>
         </mc:Choice>
-        <mc:Fallback>
+        <mc:Fallback xmlns="">
           <p:sp>
             <p:nvSpPr>
               <p:cNvPr id="33" name="TextBox 32">
@@ -5087,8 +5101,8 @@
           </a:p>
         </p:txBody>
       </p:sp>
-      <mc:AlternateContent xmlns:mc="http://schemas.openxmlformats.org/markup-compatibility/2006">
-        <mc:Choice xmlns:a14="http://schemas.microsoft.com/office/drawing/2010/main" Requires="a14">
+      <mc:AlternateContent xmlns:mc="http://schemas.openxmlformats.org/markup-compatibility/2006" xmlns:a14="http://schemas.microsoft.com/office/drawing/2010/main">
+        <mc:Choice Requires="a14">
           <p:sp>
             <p:nvSpPr>
               <p:cNvPr id="17" name="TextBox 16">
@@ -5117,6 +5131,7 @@
               </a:bodyPr>
               <a:lstStyle/>
               <a:p>
+                <a:pPr/>
                 <a14:m>
                   <m:oMathPara xmlns:m="http://schemas.openxmlformats.org/officeDocument/2006/math">
                     <m:oMathParaPr>
@@ -5138,7 +5153,7 @@
             </p:txBody>
           </p:sp>
         </mc:Choice>
-        <mc:Fallback>
+        <mc:Fallback xmlns="">
           <p:sp>
             <p:nvSpPr>
               <p:cNvPr id="17" name="TextBox 16">
@@ -5183,8 +5198,8 @@
           </p:sp>
         </mc:Fallback>
       </mc:AlternateContent>
-      <mc:AlternateContent xmlns:mc="http://schemas.openxmlformats.org/markup-compatibility/2006">
-        <mc:Choice xmlns:a14="http://schemas.microsoft.com/office/drawing/2010/main" Requires="a14">
+      <mc:AlternateContent xmlns:mc="http://schemas.openxmlformats.org/markup-compatibility/2006" xmlns:a14="http://schemas.microsoft.com/office/drawing/2010/main">
+        <mc:Choice Requires="a14">
           <p:sp>
             <p:nvSpPr>
               <p:cNvPr id="18" name="TextBox 17">
@@ -5213,6 +5228,7 @@
               </a:bodyPr>
               <a:lstStyle/>
               <a:p>
+                <a:pPr/>
                 <a14:m>
                   <m:oMathPara xmlns:m="http://schemas.openxmlformats.org/officeDocument/2006/math">
                     <m:oMathParaPr>
@@ -5234,7 +5250,7 @@
             </p:txBody>
           </p:sp>
         </mc:Choice>
-        <mc:Fallback>
+        <mc:Fallback xmlns="">
           <p:sp>
             <p:nvSpPr>
               <p:cNvPr id="18" name="TextBox 17">
@@ -5279,8 +5295,8 @@
           </p:sp>
         </mc:Fallback>
       </mc:AlternateContent>
-      <mc:AlternateContent xmlns:mc="http://schemas.openxmlformats.org/markup-compatibility/2006">
-        <mc:Choice xmlns:a14="http://schemas.microsoft.com/office/drawing/2010/main" Requires="a14">
+      <mc:AlternateContent xmlns:mc="http://schemas.openxmlformats.org/markup-compatibility/2006" xmlns:a14="http://schemas.microsoft.com/office/drawing/2010/main">
+        <mc:Choice Requires="a14">
           <p:sp>
             <p:nvSpPr>
               <p:cNvPr id="19" name="TextBox 18">
@@ -5309,6 +5325,7 @@
               </a:bodyPr>
               <a:lstStyle/>
               <a:p>
+                <a:pPr/>
                 <a14:m>
                   <m:oMathPara xmlns:m="http://schemas.openxmlformats.org/officeDocument/2006/math">
                     <m:oMathParaPr>
@@ -5330,7 +5347,7 @@
             </p:txBody>
           </p:sp>
         </mc:Choice>
-        <mc:Fallback>
+        <mc:Fallback xmlns="">
           <p:sp>
             <p:nvSpPr>
               <p:cNvPr id="19" name="TextBox 18">
@@ -5375,8 +5392,8 @@
           </p:sp>
         </mc:Fallback>
       </mc:AlternateContent>
-      <mc:AlternateContent xmlns:mc="http://schemas.openxmlformats.org/markup-compatibility/2006">
-        <mc:Choice xmlns:a14="http://schemas.microsoft.com/office/drawing/2010/main" Requires="a14">
+      <mc:AlternateContent xmlns:mc="http://schemas.openxmlformats.org/markup-compatibility/2006" xmlns:a14="http://schemas.microsoft.com/office/drawing/2010/main">
+        <mc:Choice Requires="a14">
           <p:sp>
             <p:nvSpPr>
               <p:cNvPr id="20" name="TextBox 19">
@@ -5426,7 +5443,7 @@
             </p:txBody>
           </p:sp>
         </mc:Choice>
-        <mc:Fallback>
+        <mc:Fallback xmlns="">
           <p:sp>
             <p:nvSpPr>
               <p:cNvPr id="20" name="TextBox 19">
@@ -5471,8 +5488,8 @@
           </p:sp>
         </mc:Fallback>
       </mc:AlternateContent>
-      <mc:AlternateContent xmlns:mc="http://schemas.openxmlformats.org/markup-compatibility/2006">
-        <mc:Choice xmlns:a14="http://schemas.microsoft.com/office/drawing/2010/main" Requires="a14">
+      <mc:AlternateContent xmlns:mc="http://schemas.openxmlformats.org/markup-compatibility/2006" xmlns:a14="http://schemas.microsoft.com/office/drawing/2010/main">
+        <mc:Choice Requires="a14">
           <p:sp>
             <p:nvSpPr>
               <p:cNvPr id="21" name="TextBox 20">
@@ -5501,6 +5518,7 @@
               </a:bodyPr>
               <a:lstStyle/>
               <a:p>
+                <a:pPr/>
                 <a14:m>
                   <m:oMathPara xmlns:m="http://schemas.openxmlformats.org/officeDocument/2006/math">
                     <m:oMathParaPr>
@@ -5523,7 +5541,7 @@
             </p:txBody>
           </p:sp>
         </mc:Choice>
-        <mc:Fallback>
+        <mc:Fallback xmlns="">
           <p:sp>
             <p:nvSpPr>
               <p:cNvPr id="21" name="TextBox 20">
@@ -5568,8 +5586,8 @@
           </p:sp>
         </mc:Fallback>
       </mc:AlternateContent>
-      <mc:AlternateContent xmlns:mc="http://schemas.openxmlformats.org/markup-compatibility/2006">
-        <mc:Choice xmlns:a14="http://schemas.microsoft.com/office/drawing/2010/main" Requires="a14">
+      <mc:AlternateContent xmlns:mc="http://schemas.openxmlformats.org/markup-compatibility/2006" xmlns:a14="http://schemas.microsoft.com/office/drawing/2010/main">
+        <mc:Choice Requires="a14">
           <p:sp>
             <p:nvSpPr>
               <p:cNvPr id="22" name="TextBox 21">
@@ -5606,7 +5624,7 @@
                   <m:oMath xmlns:m="http://schemas.openxmlformats.org/officeDocument/2006/math">
                     <m:r>
                       <a:rPr lang="en-US" sz="900" b="0" i="1" dirty="0" smtClean="0">
-                        <a:latin typeface="+mj-lt"/>
+                        <a:latin typeface="Cambria Math" panose="02040503050406030204" pitchFamily="18" charset="0"/>
                       </a:rPr>
                       <m:t>/</m:t>
                     </m:r>
@@ -5644,7 +5662,7 @@
             </p:txBody>
           </p:sp>
         </mc:Choice>
-        <mc:Fallback>
+        <mc:Fallback xmlns="">
           <p:sp>
             <p:nvSpPr>
               <p:cNvPr id="22" name="TextBox 21">
@@ -5689,8 +5707,8 @@
           </p:sp>
         </mc:Fallback>
       </mc:AlternateContent>
-      <mc:AlternateContent xmlns:mc="http://schemas.openxmlformats.org/markup-compatibility/2006">
-        <mc:Choice xmlns:a14="http://schemas.microsoft.com/office/drawing/2010/main" Requires="a14">
+      <mc:AlternateContent xmlns:mc="http://schemas.openxmlformats.org/markup-compatibility/2006" xmlns:a14="http://schemas.microsoft.com/office/drawing/2010/main">
+        <mc:Choice Requires="a14">
           <p:sp>
             <p:nvSpPr>
               <p:cNvPr id="23" name="TextBox 22">
@@ -5740,7 +5758,7 @@
             </p:txBody>
           </p:sp>
         </mc:Choice>
-        <mc:Fallback>
+        <mc:Fallback xmlns="">
           <p:sp>
             <p:nvSpPr>
               <p:cNvPr id="23" name="TextBox 22">
@@ -5785,8 +5803,8 @@
           </p:sp>
         </mc:Fallback>
       </mc:AlternateContent>
-      <mc:AlternateContent xmlns:mc="http://schemas.openxmlformats.org/markup-compatibility/2006">
-        <mc:Choice xmlns:a14="http://schemas.microsoft.com/office/drawing/2010/main" Requires="a14">
+      <mc:AlternateContent xmlns:mc="http://schemas.openxmlformats.org/markup-compatibility/2006" xmlns:a14="http://schemas.microsoft.com/office/drawing/2010/main">
+        <mc:Choice Requires="a14">
           <p:sp>
             <p:nvSpPr>
               <p:cNvPr id="24" name="TextBox 23">
@@ -5815,6 +5833,7 @@
               </a:bodyPr>
               <a:lstStyle/>
               <a:p>
+                <a:pPr/>
                 <a14:m>
                   <m:oMathPara xmlns:m="http://schemas.openxmlformats.org/officeDocument/2006/math">
                     <m:oMathParaPr>
@@ -5837,7 +5856,7 @@
             </p:txBody>
           </p:sp>
         </mc:Choice>
-        <mc:Fallback>
+        <mc:Fallback xmlns="">
           <p:sp>
             <p:nvSpPr>
               <p:cNvPr id="24" name="TextBox 23">
@@ -5882,8 +5901,8 @@
           </p:sp>
         </mc:Fallback>
       </mc:AlternateContent>
-      <mc:AlternateContent xmlns:mc="http://schemas.openxmlformats.org/markup-compatibility/2006">
-        <mc:Choice xmlns:a14="http://schemas.microsoft.com/office/drawing/2010/main" Requires="a14">
+      <mc:AlternateContent xmlns:mc="http://schemas.openxmlformats.org/markup-compatibility/2006" xmlns:a14="http://schemas.microsoft.com/office/drawing/2010/main">
+        <mc:Choice Requires="a14">
           <p:sp>
             <p:nvSpPr>
               <p:cNvPr id="25" name="TextBox 24">
@@ -5920,7 +5939,7 @@
                   <m:oMath xmlns:m="http://schemas.openxmlformats.org/officeDocument/2006/math">
                     <m:r>
                       <a:rPr lang="en-US" sz="900" b="0" i="1" dirty="0" smtClean="0">
-                        <a:latin typeface="+mj-lt"/>
+                        <a:latin typeface="Cambria Math" panose="02040503050406030204" pitchFamily="18" charset="0"/>
                       </a:rPr>
                       <m:t>/</m:t>
                     </m:r>
@@ -5958,7 +5977,7 @@
             </p:txBody>
           </p:sp>
         </mc:Choice>
-        <mc:Fallback>
+        <mc:Fallback xmlns="">
           <p:sp>
             <p:nvSpPr>
               <p:cNvPr id="25" name="TextBox 24">
@@ -6003,8 +6022,8 @@
           </p:sp>
         </mc:Fallback>
       </mc:AlternateContent>
-      <mc:AlternateContent xmlns:mc="http://schemas.openxmlformats.org/markup-compatibility/2006">
-        <mc:Choice xmlns:a14="http://schemas.microsoft.com/office/drawing/2010/main" Requires="a14">
+      <mc:AlternateContent xmlns:mc="http://schemas.openxmlformats.org/markup-compatibility/2006" xmlns:a14="http://schemas.microsoft.com/office/drawing/2010/main">
+        <mc:Choice Requires="a14">
           <p:sp>
             <p:nvSpPr>
               <p:cNvPr id="26" name="TextBox 25">
@@ -6054,7 +6073,7 @@
             </p:txBody>
           </p:sp>
         </mc:Choice>
-        <mc:Fallback>
+        <mc:Fallback xmlns="">
           <p:sp>
             <p:nvSpPr>
               <p:cNvPr id="26" name="TextBox 25">
@@ -6099,8 +6118,8 @@
           </p:sp>
         </mc:Fallback>
       </mc:AlternateContent>
-      <mc:AlternateContent xmlns:mc="http://schemas.openxmlformats.org/markup-compatibility/2006">
-        <mc:Choice xmlns:a14="http://schemas.microsoft.com/office/drawing/2010/main" Requires="a14">
+      <mc:AlternateContent xmlns:mc="http://schemas.openxmlformats.org/markup-compatibility/2006" xmlns:a14="http://schemas.microsoft.com/office/drawing/2010/main">
+        <mc:Choice Requires="a14">
           <p:sp>
             <p:nvSpPr>
               <p:cNvPr id="27" name="TextBox 26">
@@ -6129,6 +6148,7 @@
               </a:bodyPr>
               <a:lstStyle/>
               <a:p>
+                <a:pPr/>
                 <a14:m>
                   <m:oMathPara xmlns:m="http://schemas.openxmlformats.org/officeDocument/2006/math">
                     <m:oMathParaPr>
@@ -6151,7 +6171,7 @@
             </p:txBody>
           </p:sp>
         </mc:Choice>
-        <mc:Fallback>
+        <mc:Fallback xmlns="">
           <p:sp>
             <p:nvSpPr>
               <p:cNvPr id="27" name="TextBox 26">
@@ -6196,8 +6216,8 @@
           </p:sp>
         </mc:Fallback>
       </mc:AlternateContent>
-      <mc:AlternateContent xmlns:mc="http://schemas.openxmlformats.org/markup-compatibility/2006">
-        <mc:Choice xmlns:a14="http://schemas.microsoft.com/office/drawing/2010/main" Requires="a14">
+      <mc:AlternateContent xmlns:mc="http://schemas.openxmlformats.org/markup-compatibility/2006" xmlns:a14="http://schemas.microsoft.com/office/drawing/2010/main">
+        <mc:Choice Requires="a14">
           <p:sp>
             <p:nvSpPr>
               <p:cNvPr id="28" name="TextBox 27">
@@ -6234,7 +6254,7 @@
                   <m:oMath xmlns:m="http://schemas.openxmlformats.org/officeDocument/2006/math">
                     <m:r>
                       <a:rPr lang="en-US" sz="900" b="0" i="1" dirty="0" smtClean="0">
-                        <a:latin typeface="+mj-lt"/>
+                        <a:latin typeface="Cambria Math" panose="02040503050406030204" pitchFamily="18" charset="0"/>
                       </a:rPr>
                       <m:t>/</m:t>
                     </m:r>
@@ -6272,7 +6292,7 @@
             </p:txBody>
           </p:sp>
         </mc:Choice>
-        <mc:Fallback>
+        <mc:Fallback xmlns="">
           <p:sp>
             <p:nvSpPr>
               <p:cNvPr id="28" name="TextBox 27">
@@ -6719,8 +6739,8 @@
           </a:p>
         </p:txBody>
       </p:sp>
-      <mc:AlternateContent xmlns:mc="http://schemas.openxmlformats.org/markup-compatibility/2006">
-        <mc:Choice xmlns:a14="http://schemas.microsoft.com/office/drawing/2010/main" Requires="a14">
+      <mc:AlternateContent xmlns:mc="http://schemas.openxmlformats.org/markup-compatibility/2006" xmlns:a14="http://schemas.microsoft.com/office/drawing/2010/main">
+        <mc:Choice Requires="a14">
           <p:sp>
             <p:nvSpPr>
               <p:cNvPr id="13" name="TextBox 12">
@@ -6749,6 +6769,7 @@
               </a:bodyPr>
               <a:lstStyle/>
               <a:p>
+                <a:pPr/>
                 <a14:m>
                   <m:oMathPara xmlns:m="http://schemas.openxmlformats.org/officeDocument/2006/math">
                     <m:oMathParaPr>
@@ -6788,7 +6809,7 @@
             </p:txBody>
           </p:sp>
         </mc:Choice>
-        <mc:Fallback>
+        <mc:Fallback xmlns="">
           <p:sp>
             <p:nvSpPr>
               <p:cNvPr id="13" name="TextBox 12">
@@ -6833,8 +6854,8 @@
           </p:sp>
         </mc:Fallback>
       </mc:AlternateContent>
-      <mc:AlternateContent xmlns:mc="http://schemas.openxmlformats.org/markup-compatibility/2006">
-        <mc:Choice xmlns:a14="http://schemas.microsoft.com/office/drawing/2010/main" Requires="a14">
+      <mc:AlternateContent xmlns:mc="http://schemas.openxmlformats.org/markup-compatibility/2006" xmlns:a14="http://schemas.microsoft.com/office/drawing/2010/main">
+        <mc:Choice Requires="a14">
           <p:sp>
             <p:nvSpPr>
               <p:cNvPr id="15" name="TextBox 14">
@@ -6863,6 +6884,7 @@
               </a:bodyPr>
               <a:lstStyle/>
               <a:p>
+                <a:pPr/>
                 <a14:m>
                   <m:oMathPara xmlns:m="http://schemas.openxmlformats.org/officeDocument/2006/math">
                     <m:oMathParaPr>
@@ -6884,7 +6906,7 @@
             </p:txBody>
           </p:sp>
         </mc:Choice>
-        <mc:Fallback>
+        <mc:Fallback xmlns="">
           <p:sp>
             <p:nvSpPr>
               <p:cNvPr id="15" name="TextBox 14">
@@ -6929,8 +6951,8 @@
           </p:sp>
         </mc:Fallback>
       </mc:AlternateContent>
-      <mc:AlternateContent xmlns:mc="http://schemas.openxmlformats.org/markup-compatibility/2006">
-        <mc:Choice xmlns:a14="http://schemas.microsoft.com/office/drawing/2010/main" Requires="a14">
+      <mc:AlternateContent xmlns:mc="http://schemas.openxmlformats.org/markup-compatibility/2006" xmlns:a14="http://schemas.microsoft.com/office/drawing/2010/main">
+        <mc:Choice Requires="a14">
           <p:sp>
             <p:nvSpPr>
               <p:cNvPr id="17" name="TextBox 16">
@@ -6959,6 +6981,7 @@
               </a:bodyPr>
               <a:lstStyle/>
               <a:p>
+                <a:pPr/>
                 <a14:m>
                   <m:oMathPara xmlns:m="http://schemas.openxmlformats.org/officeDocument/2006/math">
                     <m:oMathParaPr>
@@ -6998,7 +7021,7 @@
             </p:txBody>
           </p:sp>
         </mc:Choice>
-        <mc:Fallback>
+        <mc:Fallback xmlns="">
           <p:sp>
             <p:nvSpPr>
               <p:cNvPr id="17" name="TextBox 16">
@@ -7043,8 +7066,8 @@
           </p:sp>
         </mc:Fallback>
       </mc:AlternateContent>
-      <mc:AlternateContent xmlns:mc="http://schemas.openxmlformats.org/markup-compatibility/2006">
-        <mc:Choice xmlns:a14="http://schemas.microsoft.com/office/drawing/2010/main" Requires="a14">
+      <mc:AlternateContent xmlns:mc="http://schemas.openxmlformats.org/markup-compatibility/2006" xmlns:a14="http://schemas.microsoft.com/office/drawing/2010/main">
+        <mc:Choice Requires="a14">
           <p:sp>
             <p:nvSpPr>
               <p:cNvPr id="18" name="TextBox 17">
@@ -7131,7 +7154,7 @@
             </p:txBody>
           </p:sp>
         </mc:Choice>
-        <mc:Fallback>
+        <mc:Fallback xmlns="">
           <p:sp>
             <p:nvSpPr>
               <p:cNvPr id="18" name="TextBox 17">
@@ -7176,8 +7199,8 @@
           </p:sp>
         </mc:Fallback>
       </mc:AlternateContent>
-      <mc:AlternateContent xmlns:mc="http://schemas.openxmlformats.org/markup-compatibility/2006">
-        <mc:Choice xmlns:a14="http://schemas.microsoft.com/office/drawing/2010/main" Requires="a14">
+      <mc:AlternateContent xmlns:mc="http://schemas.openxmlformats.org/markup-compatibility/2006" xmlns:a14="http://schemas.microsoft.com/office/drawing/2010/main">
+        <mc:Choice Requires="a14">
           <p:sp>
             <p:nvSpPr>
               <p:cNvPr id="19" name="TextBox 18">
@@ -7264,7 +7287,7 @@
             </p:txBody>
           </p:sp>
         </mc:Choice>
-        <mc:Fallback>
+        <mc:Fallback xmlns="">
           <p:sp>
             <p:nvSpPr>
               <p:cNvPr id="19" name="TextBox 18">
@@ -7309,8 +7332,8 @@
           </p:sp>
         </mc:Fallback>
       </mc:AlternateContent>
-      <mc:AlternateContent xmlns:mc="http://schemas.openxmlformats.org/markup-compatibility/2006">
-        <mc:Choice xmlns:a14="http://schemas.microsoft.com/office/drawing/2010/main" Requires="a14">
+      <mc:AlternateContent xmlns:mc="http://schemas.openxmlformats.org/markup-compatibility/2006" xmlns:a14="http://schemas.microsoft.com/office/drawing/2010/main">
+        <mc:Choice Requires="a14">
           <p:sp>
             <p:nvSpPr>
               <p:cNvPr id="20" name="TextBox 19">
@@ -7347,7 +7370,7 @@
                   <m:oMath xmlns:m="http://schemas.openxmlformats.org/officeDocument/2006/math">
                     <m:r>
                       <a:rPr lang="en-US" sz="900" b="0" i="1" dirty="0" smtClean="0">
-                        <a:latin typeface="+mj-lt"/>
+                        <a:latin typeface="Cambria Math" panose="02040503050406030204" pitchFamily="18" charset="0"/>
                       </a:rPr>
                       <m:t>/</m:t>
                     </m:r>
@@ -7385,7 +7408,7 @@
             </p:txBody>
           </p:sp>
         </mc:Choice>
-        <mc:Fallback>
+        <mc:Fallback xmlns="">
           <p:sp>
             <p:nvSpPr>
               <p:cNvPr id="20" name="TextBox 19">
@@ -7430,8 +7453,8 @@
           </p:sp>
         </mc:Fallback>
       </mc:AlternateContent>
-      <mc:AlternateContent xmlns:mc="http://schemas.openxmlformats.org/markup-compatibility/2006">
-        <mc:Choice xmlns:a14="http://schemas.microsoft.com/office/drawing/2010/main" Requires="a14">
+      <mc:AlternateContent xmlns:mc="http://schemas.openxmlformats.org/markup-compatibility/2006" xmlns:a14="http://schemas.microsoft.com/office/drawing/2010/main">
+        <mc:Choice Requires="a14">
           <p:sp>
             <p:nvSpPr>
               <p:cNvPr id="21" name="TextBox 20">
@@ -7518,7 +7541,7 @@
             </p:txBody>
           </p:sp>
         </mc:Choice>
-        <mc:Fallback>
+        <mc:Fallback xmlns="">
           <p:sp>
             <p:nvSpPr>
               <p:cNvPr id="21" name="TextBox 20">
@@ -7563,8 +7586,8 @@
           </p:sp>
         </mc:Fallback>
       </mc:AlternateContent>
-      <mc:AlternateContent xmlns:mc="http://schemas.openxmlformats.org/markup-compatibility/2006">
-        <mc:Choice xmlns:a14="http://schemas.microsoft.com/office/drawing/2010/main" Requires="a14">
+      <mc:AlternateContent xmlns:mc="http://schemas.openxmlformats.org/markup-compatibility/2006" xmlns:a14="http://schemas.microsoft.com/office/drawing/2010/main">
+        <mc:Choice Requires="a14">
           <p:sp>
             <p:nvSpPr>
               <p:cNvPr id="22" name="TextBox 21">
@@ -7651,7 +7674,7 @@
             </p:txBody>
           </p:sp>
         </mc:Choice>
-        <mc:Fallback>
+        <mc:Fallback xmlns="">
           <p:sp>
             <p:nvSpPr>
               <p:cNvPr id="22" name="TextBox 21">
@@ -7696,8 +7719,8 @@
           </p:sp>
         </mc:Fallback>
       </mc:AlternateContent>
-      <mc:AlternateContent xmlns:mc="http://schemas.openxmlformats.org/markup-compatibility/2006">
-        <mc:Choice xmlns:a14="http://schemas.microsoft.com/office/drawing/2010/main" Requires="a14">
+      <mc:AlternateContent xmlns:mc="http://schemas.openxmlformats.org/markup-compatibility/2006" xmlns:a14="http://schemas.microsoft.com/office/drawing/2010/main">
+        <mc:Choice Requires="a14">
           <p:sp>
             <p:nvSpPr>
               <p:cNvPr id="23" name="TextBox 22">
@@ -7734,7 +7757,7 @@
                   <m:oMath xmlns:m="http://schemas.openxmlformats.org/officeDocument/2006/math">
                     <m:r>
                       <a:rPr lang="en-US" sz="900" b="0" i="1" dirty="0" smtClean="0">
-                        <a:latin typeface="+mj-lt"/>
+                        <a:latin typeface="Cambria Math" panose="02040503050406030204" pitchFamily="18" charset="0"/>
                       </a:rPr>
                       <m:t>/</m:t>
                     </m:r>
@@ -7772,7 +7795,7 @@
             </p:txBody>
           </p:sp>
         </mc:Choice>
-        <mc:Fallback>
+        <mc:Fallback xmlns="">
           <p:sp>
             <p:nvSpPr>
               <p:cNvPr id="23" name="TextBox 22">
@@ -7817,8 +7840,8 @@
           </p:sp>
         </mc:Fallback>
       </mc:AlternateContent>
-      <mc:AlternateContent xmlns:mc="http://schemas.openxmlformats.org/markup-compatibility/2006">
-        <mc:Choice xmlns:a14="http://schemas.microsoft.com/office/drawing/2010/main" Requires="a14">
+      <mc:AlternateContent xmlns:mc="http://schemas.openxmlformats.org/markup-compatibility/2006" xmlns:a14="http://schemas.microsoft.com/office/drawing/2010/main">
+        <mc:Choice Requires="a14">
           <p:sp>
             <p:nvSpPr>
               <p:cNvPr id="24" name="TextBox 23">
@@ -7905,7 +7928,7 @@
             </p:txBody>
           </p:sp>
         </mc:Choice>
-        <mc:Fallback>
+        <mc:Fallback xmlns="">
           <p:sp>
             <p:nvSpPr>
               <p:cNvPr id="24" name="TextBox 23">
@@ -7950,8 +7973,8 @@
           </p:sp>
         </mc:Fallback>
       </mc:AlternateContent>
-      <mc:AlternateContent xmlns:mc="http://schemas.openxmlformats.org/markup-compatibility/2006">
-        <mc:Choice xmlns:a14="http://schemas.microsoft.com/office/drawing/2010/main" Requires="a14">
+      <mc:AlternateContent xmlns:mc="http://schemas.openxmlformats.org/markup-compatibility/2006" xmlns:a14="http://schemas.microsoft.com/office/drawing/2010/main">
+        <mc:Choice Requires="a14">
           <p:sp>
             <p:nvSpPr>
               <p:cNvPr id="25" name="TextBox 24">
@@ -8038,7 +8061,7 @@
             </p:txBody>
           </p:sp>
         </mc:Choice>
-        <mc:Fallback>
+        <mc:Fallback xmlns="">
           <p:sp>
             <p:nvSpPr>
               <p:cNvPr id="25" name="TextBox 24">
@@ -8083,8 +8106,8 @@
           </p:sp>
         </mc:Fallback>
       </mc:AlternateContent>
-      <mc:AlternateContent xmlns:mc="http://schemas.openxmlformats.org/markup-compatibility/2006">
-        <mc:Choice xmlns:a14="http://schemas.microsoft.com/office/drawing/2010/main" Requires="a14">
+      <mc:AlternateContent xmlns:mc="http://schemas.openxmlformats.org/markup-compatibility/2006" xmlns:a14="http://schemas.microsoft.com/office/drawing/2010/main">
+        <mc:Choice Requires="a14">
           <p:sp>
             <p:nvSpPr>
               <p:cNvPr id="26" name="TextBox 25">
@@ -8121,7 +8144,7 @@
                   <m:oMath xmlns:m="http://schemas.openxmlformats.org/officeDocument/2006/math">
                     <m:r>
                       <a:rPr lang="en-US" sz="900" b="0" i="1" dirty="0" smtClean="0">
-                        <a:latin typeface="+mj-lt"/>
+                        <a:latin typeface="Cambria Math" panose="02040503050406030204" pitchFamily="18" charset="0"/>
                       </a:rPr>
                       <m:t>/</m:t>
                     </m:r>
@@ -8159,7 +8182,7 @@
             </p:txBody>
           </p:sp>
         </mc:Choice>
-        <mc:Fallback>
+        <mc:Fallback xmlns="">
           <p:sp>
             <p:nvSpPr>
               <p:cNvPr id="26" name="TextBox 25">
@@ -8606,8 +8629,8 @@
           </a:p>
         </p:txBody>
       </p:sp>
-      <mc:AlternateContent xmlns:mc="http://schemas.openxmlformats.org/markup-compatibility/2006">
-        <mc:Choice xmlns:a14="http://schemas.microsoft.com/office/drawing/2010/main" Requires="a14">
+      <mc:AlternateContent xmlns:mc="http://schemas.openxmlformats.org/markup-compatibility/2006" xmlns:a14="http://schemas.microsoft.com/office/drawing/2010/main">
+        <mc:Choice Requires="a14">
           <p:sp>
             <p:nvSpPr>
               <p:cNvPr id="16" name="TextBox 15">
@@ -8636,6 +8659,7 @@
               </a:bodyPr>
               <a:lstStyle/>
               <a:p>
+                <a:pPr/>
                 <a14:m>
                   <m:oMathPara xmlns:m="http://schemas.openxmlformats.org/officeDocument/2006/math">
                     <m:oMathParaPr>
@@ -8657,7 +8681,7 @@
             </p:txBody>
           </p:sp>
         </mc:Choice>
-        <mc:Fallback>
+        <mc:Fallback xmlns="">
           <p:sp>
             <p:nvSpPr>
               <p:cNvPr id="16" name="TextBox 15">
@@ -8702,8 +8726,8 @@
           </p:sp>
         </mc:Fallback>
       </mc:AlternateContent>
-      <mc:AlternateContent xmlns:mc="http://schemas.openxmlformats.org/markup-compatibility/2006">
-        <mc:Choice xmlns:a14="http://schemas.microsoft.com/office/drawing/2010/main" Requires="a14">
+      <mc:AlternateContent xmlns:mc="http://schemas.openxmlformats.org/markup-compatibility/2006" xmlns:a14="http://schemas.microsoft.com/office/drawing/2010/main">
+        <mc:Choice Requires="a14">
           <p:sp>
             <p:nvSpPr>
               <p:cNvPr id="17" name="TextBox 16">
@@ -8732,6 +8756,7 @@
               </a:bodyPr>
               <a:lstStyle/>
               <a:p>
+                <a:pPr/>
                 <a14:m>
                   <m:oMathPara xmlns:m="http://schemas.openxmlformats.org/officeDocument/2006/math">
                     <m:oMathParaPr>
@@ -8753,7 +8778,7 @@
             </p:txBody>
           </p:sp>
         </mc:Choice>
-        <mc:Fallback>
+        <mc:Fallback xmlns="">
           <p:sp>
             <p:nvSpPr>
               <p:cNvPr id="17" name="TextBox 16">
@@ -8798,8 +8823,8 @@
           </p:sp>
         </mc:Fallback>
       </mc:AlternateContent>
-      <mc:AlternateContent xmlns:mc="http://schemas.openxmlformats.org/markup-compatibility/2006">
-        <mc:Choice xmlns:a14="http://schemas.microsoft.com/office/drawing/2010/main" Requires="a14">
+      <mc:AlternateContent xmlns:mc="http://schemas.openxmlformats.org/markup-compatibility/2006" xmlns:a14="http://schemas.microsoft.com/office/drawing/2010/main">
+        <mc:Choice Requires="a14">
           <p:sp>
             <p:nvSpPr>
               <p:cNvPr id="18" name="TextBox 17">
@@ -8828,6 +8853,7 @@
               </a:bodyPr>
               <a:lstStyle/>
               <a:p>
+                <a:pPr/>
                 <a14:m>
                   <m:oMathPara xmlns:m="http://schemas.openxmlformats.org/officeDocument/2006/math">
                     <m:oMathParaPr>
@@ -8867,7 +8893,7 @@
             </p:txBody>
           </p:sp>
         </mc:Choice>
-        <mc:Fallback>
+        <mc:Fallback xmlns="">
           <p:sp>
             <p:nvSpPr>
               <p:cNvPr id="18" name="TextBox 17">
@@ -8912,6 +8938,76 @@
           </p:sp>
         </mc:Fallback>
       </mc:AlternateContent>
+      <p:sp>
+        <p:nvSpPr>
+          <p:cNvPr id="2" name="TextBox 1">
+            <a:extLst>
+              <a:ext uri="{FF2B5EF4-FFF2-40B4-BE49-F238E27FC236}">
+                <a16:creationId xmlns:a16="http://schemas.microsoft.com/office/drawing/2014/main" id="{B576BE4D-614E-BE41-921A-2C458AAD204B}"/>
+              </a:ext>
+            </a:extLst>
+          </p:cNvPr>
+          <p:cNvSpPr txBox="1"/>
+          <p:nvPr/>
+        </p:nvSpPr>
+        <p:spPr>
+          <a:xfrm>
+            <a:off x="4572000" y="3973926"/>
+            <a:ext cx="848630" cy="276999"/>
+          </a:xfrm>
+          <a:prstGeom prst="rect">
+            <a:avLst/>
+          </a:prstGeom>
+          <a:noFill/>
+        </p:spPr>
+        <p:txBody>
+          <a:bodyPr wrap="none" rtlCol="0">
+            <a:spAutoFit/>
+          </a:bodyPr>
+          <a:lstStyle/>
+          <a:p>
+            <a:r>
+              <a:rPr lang="en-US" sz="1200" dirty="0"/>
+              <a:t>No change</a:t>
+            </a:r>
+          </a:p>
+        </p:txBody>
+      </p:sp>
+      <p:sp>
+        <p:nvSpPr>
+          <p:cNvPr id="3" name="TextBox 2">
+            <a:extLst>
+              <a:ext uri="{FF2B5EF4-FFF2-40B4-BE49-F238E27FC236}">
+                <a16:creationId xmlns:a16="http://schemas.microsoft.com/office/drawing/2014/main" id="{5E585541-17C7-35E5-3BF4-B4B0FF756F49}"/>
+              </a:ext>
+            </a:extLst>
+          </p:cNvPr>
+          <p:cNvSpPr txBox="1"/>
+          <p:nvPr/>
+        </p:nvSpPr>
+        <p:spPr>
+          <a:xfrm>
+            <a:off x="1977976" y="3973925"/>
+            <a:ext cx="848630" cy="276999"/>
+          </a:xfrm>
+          <a:prstGeom prst="rect">
+            <a:avLst/>
+          </a:prstGeom>
+          <a:noFill/>
+        </p:spPr>
+        <p:txBody>
+          <a:bodyPr wrap="none" rtlCol="0">
+            <a:spAutoFit/>
+          </a:bodyPr>
+          <a:lstStyle/>
+          <a:p>
+            <a:r>
+              <a:rPr lang="en-US" sz="1200" dirty="0"/>
+              <a:t>No change</a:t>
+            </a:r>
+          </a:p>
+        </p:txBody>
+      </p:sp>
     </p:spTree>
     <p:extLst>
       <p:ext uri="{BB962C8B-B14F-4D97-AF65-F5344CB8AC3E}">
@@ -9314,8 +9410,8 @@
           </a:p>
         </p:txBody>
       </p:sp>
-      <mc:AlternateContent xmlns:mc="http://schemas.openxmlformats.org/markup-compatibility/2006">
-        <mc:Choice xmlns:a14="http://schemas.microsoft.com/office/drawing/2010/main" Requires="a14">
+      <mc:AlternateContent xmlns:mc="http://schemas.openxmlformats.org/markup-compatibility/2006" xmlns:a14="http://schemas.microsoft.com/office/drawing/2010/main">
+        <mc:Choice Requires="a14">
           <p:sp>
             <p:nvSpPr>
               <p:cNvPr id="20" name="TextBox 19">
@@ -9344,6 +9440,7 @@
               </a:bodyPr>
               <a:lstStyle/>
               <a:p>
+                <a:pPr/>
                 <a14:m>
                   <m:oMathPara xmlns:m="http://schemas.openxmlformats.org/officeDocument/2006/math">
                     <m:oMathParaPr>
@@ -9383,7 +9480,7 @@
             </p:txBody>
           </p:sp>
         </mc:Choice>
-        <mc:Fallback>
+        <mc:Fallback xmlns="">
           <p:sp>
             <p:nvSpPr>
               <p:cNvPr id="20" name="TextBox 19">
@@ -9428,8 +9525,8 @@
           </p:sp>
         </mc:Fallback>
       </mc:AlternateContent>
-      <mc:AlternateContent xmlns:mc="http://schemas.openxmlformats.org/markup-compatibility/2006">
-        <mc:Choice xmlns:a14="http://schemas.microsoft.com/office/drawing/2010/main" Requires="a14">
+      <mc:AlternateContent xmlns:mc="http://schemas.openxmlformats.org/markup-compatibility/2006" xmlns:a14="http://schemas.microsoft.com/office/drawing/2010/main">
+        <mc:Choice Requires="a14">
           <p:sp>
             <p:nvSpPr>
               <p:cNvPr id="21" name="TextBox 20">
@@ -9458,6 +9555,7 @@
               </a:bodyPr>
               <a:lstStyle/>
               <a:p>
+                <a:pPr/>
                 <a14:m>
                   <m:oMathPara xmlns:m="http://schemas.openxmlformats.org/officeDocument/2006/math">
                     <m:oMathParaPr>
@@ -9497,7 +9595,7 @@
             </p:txBody>
           </p:sp>
         </mc:Choice>
-        <mc:Fallback>
+        <mc:Fallback xmlns="">
           <p:sp>
             <p:nvSpPr>
               <p:cNvPr id="21" name="TextBox 20">
@@ -9542,8 +9640,8 @@
           </p:sp>
         </mc:Fallback>
       </mc:AlternateContent>
-      <mc:AlternateContent xmlns:mc="http://schemas.openxmlformats.org/markup-compatibility/2006">
-        <mc:Choice xmlns:a14="http://schemas.microsoft.com/office/drawing/2010/main" Requires="a14">
+      <mc:AlternateContent xmlns:mc="http://schemas.openxmlformats.org/markup-compatibility/2006" xmlns:a14="http://schemas.microsoft.com/office/drawing/2010/main">
+        <mc:Choice Requires="a14">
           <p:sp>
             <p:nvSpPr>
               <p:cNvPr id="22" name="TextBox 21">
@@ -9572,6 +9670,7 @@
               </a:bodyPr>
               <a:lstStyle/>
               <a:p>
+                <a:pPr/>
                 <a14:m>
                   <m:oMathPara xmlns:m="http://schemas.openxmlformats.org/officeDocument/2006/math">
                     <m:oMathParaPr>
@@ -9593,7 +9692,7 @@
             </p:txBody>
           </p:sp>
         </mc:Choice>
-        <mc:Fallback>
+        <mc:Fallback xmlns="">
           <p:sp>
             <p:nvSpPr>
               <p:cNvPr id="22" name="TextBox 21">
@@ -9638,8 +9737,8 @@
           </p:sp>
         </mc:Fallback>
       </mc:AlternateContent>
-      <mc:AlternateContent xmlns:mc="http://schemas.openxmlformats.org/markup-compatibility/2006">
-        <mc:Choice xmlns:a14="http://schemas.microsoft.com/office/drawing/2010/main" Requires="a14">
+      <mc:AlternateContent xmlns:mc="http://schemas.openxmlformats.org/markup-compatibility/2006" xmlns:a14="http://schemas.microsoft.com/office/drawing/2010/main">
+        <mc:Choice Requires="a14">
           <p:sp>
             <p:nvSpPr>
               <p:cNvPr id="23" name="TextBox 22">
@@ -9668,6 +9767,7 @@
               </a:bodyPr>
               <a:lstStyle/>
               <a:p>
+                <a:pPr/>
                 <a14:m>
                   <m:oMathPara xmlns:m="http://schemas.openxmlformats.org/officeDocument/2006/math">
                     <m:oMathParaPr>
@@ -9676,19 +9776,19 @@
                     <m:oMath xmlns:m="http://schemas.openxmlformats.org/officeDocument/2006/math">
                       <m:r>
                         <a:rPr lang="en-US" sz="1000" b="0" i="1" dirty="0" smtClean="0">
-                          <a:latin typeface="+mj-lt"/>
+                          <a:latin typeface="Cambria Math" panose="02040503050406030204" pitchFamily="18" charset="0"/>
                         </a:rPr>
                         <m:t>𝑚</m:t>
                       </m:r>
                       <m:r>
                         <a:rPr lang="en-US" sz="1000" b="0" i="1" dirty="0" smtClean="0">
-                          <a:latin typeface="+mj-lt"/>
+                          <a:latin typeface="Cambria Math" panose="02040503050406030204" pitchFamily="18" charset="0"/>
                         </a:rPr>
                         <m:t>/</m:t>
                       </m:r>
                       <m:r>
                         <a:rPr lang="en-US" sz="1000" b="0" i="1" dirty="0" smtClean="0">
-                          <a:latin typeface="+mj-lt"/>
+                          <a:latin typeface="Cambria Math" panose="02040503050406030204" pitchFamily="18" charset="0"/>
                         </a:rPr>
                         <m:t>𝑠</m:t>
                       </m:r>
@@ -9702,7 +9802,7 @@
             </p:txBody>
           </p:sp>
         </mc:Choice>
-        <mc:Fallback>
+        <mc:Fallback xmlns="">
           <p:sp>
             <p:nvSpPr>
               <p:cNvPr id="23" name="TextBox 22">
@@ -9747,8 +9847,8 @@
           </p:sp>
         </mc:Fallback>
       </mc:AlternateContent>
-      <mc:AlternateContent xmlns:mc="http://schemas.openxmlformats.org/markup-compatibility/2006">
-        <mc:Choice xmlns:a14="http://schemas.microsoft.com/office/drawing/2010/main" Requires="a14">
+      <mc:AlternateContent xmlns:mc="http://schemas.openxmlformats.org/markup-compatibility/2006" xmlns:a14="http://schemas.microsoft.com/office/drawing/2010/main">
+        <mc:Choice Requires="a14">
           <p:sp>
             <p:nvSpPr>
               <p:cNvPr id="24" name="TextBox 23">
@@ -9777,6 +9877,7 @@
               </a:bodyPr>
               <a:lstStyle/>
               <a:p>
+                <a:pPr/>
                 <a14:m>
                   <m:oMathPara xmlns:m="http://schemas.openxmlformats.org/officeDocument/2006/math">
                     <m:oMathParaPr>
@@ -9785,19 +9886,19 @@
                     <m:oMath xmlns:m="http://schemas.openxmlformats.org/officeDocument/2006/math">
                       <m:r>
                         <a:rPr lang="en-US" sz="1000" b="0" i="1" dirty="0" smtClean="0">
-                          <a:latin typeface="+mj-lt"/>
+                          <a:latin typeface="Cambria Math" panose="02040503050406030204" pitchFamily="18" charset="0"/>
                         </a:rPr>
                         <m:t>𝑚</m:t>
                       </m:r>
                       <m:r>
                         <a:rPr lang="en-US" sz="1000" b="0" i="1" dirty="0" smtClean="0">
-                          <a:latin typeface="+mj-lt"/>
+                          <a:latin typeface="Cambria Math" panose="02040503050406030204" pitchFamily="18" charset="0"/>
                         </a:rPr>
                         <m:t>/</m:t>
                       </m:r>
                       <m:r>
                         <a:rPr lang="en-US" sz="1000" b="0" i="1" dirty="0" smtClean="0">
-                          <a:latin typeface="+mj-lt"/>
+                          <a:latin typeface="Cambria Math" panose="02040503050406030204" pitchFamily="18" charset="0"/>
                         </a:rPr>
                         <m:t>𝑠</m:t>
                       </m:r>
@@ -9811,7 +9912,7 @@
             </p:txBody>
           </p:sp>
         </mc:Choice>
-        <mc:Fallback>
+        <mc:Fallback xmlns="">
           <p:sp>
             <p:nvSpPr>
               <p:cNvPr id="24" name="TextBox 23">
@@ -9856,8 +9957,8 @@
           </p:sp>
         </mc:Fallback>
       </mc:AlternateContent>
-      <mc:AlternateContent xmlns:mc="http://schemas.openxmlformats.org/markup-compatibility/2006">
-        <mc:Choice xmlns:a14="http://schemas.microsoft.com/office/drawing/2010/main" Requires="a14">
+      <mc:AlternateContent xmlns:mc="http://schemas.openxmlformats.org/markup-compatibility/2006" xmlns:a14="http://schemas.microsoft.com/office/drawing/2010/main">
+        <mc:Choice Requires="a14">
           <p:sp>
             <p:nvSpPr>
               <p:cNvPr id="25" name="TextBox 24">
@@ -9894,7 +9995,7 @@
                   <m:oMath xmlns:m="http://schemas.openxmlformats.org/officeDocument/2006/math">
                     <m:r>
                       <a:rPr lang="en-US" sz="1000" b="0" i="1" dirty="0" smtClean="0">
-                        <a:latin typeface="+mj-lt"/>
+                        <a:latin typeface="Cambria Math" panose="02040503050406030204" pitchFamily="18" charset="0"/>
                       </a:rPr>
                       <m:t>/</m:t>
                     </m:r>
@@ -9932,7 +10033,7 @@
             </p:txBody>
           </p:sp>
         </mc:Choice>
-        <mc:Fallback>
+        <mc:Fallback xmlns="">
           <p:sp>
             <p:nvSpPr>
               <p:cNvPr id="25" name="TextBox 24">
@@ -9977,8 +10078,8 @@
           </p:sp>
         </mc:Fallback>
       </mc:AlternateContent>
-      <mc:AlternateContent xmlns:mc="http://schemas.openxmlformats.org/markup-compatibility/2006">
-        <mc:Choice xmlns:a14="http://schemas.microsoft.com/office/drawing/2010/main" Requires="a14">
+      <mc:AlternateContent xmlns:mc="http://schemas.openxmlformats.org/markup-compatibility/2006" xmlns:a14="http://schemas.microsoft.com/office/drawing/2010/main">
+        <mc:Choice Requires="a14">
           <p:sp>
             <p:nvSpPr>
               <p:cNvPr id="26" name="TextBox 25">
@@ -10007,6 +10108,7 @@
               </a:bodyPr>
               <a:lstStyle/>
               <a:p>
+                <a:pPr/>
                 <a14:m>
                   <m:oMathPara xmlns:m="http://schemas.openxmlformats.org/officeDocument/2006/math">
                     <m:oMathParaPr>
@@ -10015,19 +10117,19 @@
                     <m:oMath xmlns:m="http://schemas.openxmlformats.org/officeDocument/2006/math">
                       <m:r>
                         <a:rPr lang="en-US" sz="1000" b="0" i="1" dirty="0" smtClean="0">
-                          <a:latin typeface="+mj-lt"/>
+                          <a:latin typeface="Cambria Math" panose="02040503050406030204" pitchFamily="18" charset="0"/>
                         </a:rPr>
                         <m:t>𝑚</m:t>
                       </m:r>
                       <m:r>
                         <a:rPr lang="en-US" sz="1000" b="0" i="1" dirty="0" smtClean="0">
-                          <a:latin typeface="+mj-lt"/>
+                          <a:latin typeface="Cambria Math" panose="02040503050406030204" pitchFamily="18" charset="0"/>
                         </a:rPr>
                         <m:t>/</m:t>
                       </m:r>
                       <m:r>
                         <a:rPr lang="en-US" sz="1000" b="0" i="1" dirty="0" smtClean="0">
-                          <a:latin typeface="+mj-lt"/>
+                          <a:latin typeface="Cambria Math" panose="02040503050406030204" pitchFamily="18" charset="0"/>
                         </a:rPr>
                         <m:t>𝑠</m:t>
                       </m:r>
@@ -10041,7 +10143,7 @@
             </p:txBody>
           </p:sp>
         </mc:Choice>
-        <mc:Fallback>
+        <mc:Fallback xmlns="">
           <p:sp>
             <p:nvSpPr>
               <p:cNvPr id="26" name="TextBox 25">
@@ -10086,8 +10188,8 @@
           </p:sp>
         </mc:Fallback>
       </mc:AlternateContent>
-      <mc:AlternateContent xmlns:mc="http://schemas.openxmlformats.org/markup-compatibility/2006">
-        <mc:Choice xmlns:a14="http://schemas.microsoft.com/office/drawing/2010/main" Requires="a14">
+      <mc:AlternateContent xmlns:mc="http://schemas.openxmlformats.org/markup-compatibility/2006" xmlns:a14="http://schemas.microsoft.com/office/drawing/2010/main">
+        <mc:Choice Requires="a14">
           <p:sp>
             <p:nvSpPr>
               <p:cNvPr id="27" name="TextBox 26">
@@ -10116,6 +10218,7 @@
               </a:bodyPr>
               <a:lstStyle/>
               <a:p>
+                <a:pPr/>
                 <a14:m>
                   <m:oMathPara xmlns:m="http://schemas.openxmlformats.org/officeDocument/2006/math">
                     <m:oMathParaPr>
@@ -10124,19 +10227,19 @@
                     <m:oMath xmlns:m="http://schemas.openxmlformats.org/officeDocument/2006/math">
                       <m:r>
                         <a:rPr lang="en-US" sz="1000" b="0" i="1" dirty="0" smtClean="0">
-                          <a:latin typeface="+mj-lt"/>
+                          <a:latin typeface="Cambria Math" panose="02040503050406030204" pitchFamily="18" charset="0"/>
                         </a:rPr>
                         <m:t>𝑚</m:t>
                       </m:r>
                       <m:r>
                         <a:rPr lang="en-US" sz="1000" b="0" i="1" dirty="0" smtClean="0">
-                          <a:latin typeface="+mj-lt"/>
+                          <a:latin typeface="Cambria Math" panose="02040503050406030204" pitchFamily="18" charset="0"/>
                         </a:rPr>
                         <m:t>/</m:t>
                       </m:r>
                       <m:r>
                         <a:rPr lang="en-US" sz="1000" b="0" i="1" dirty="0" smtClean="0">
-                          <a:latin typeface="+mj-lt"/>
+                          <a:latin typeface="Cambria Math" panose="02040503050406030204" pitchFamily="18" charset="0"/>
                         </a:rPr>
                         <m:t>𝑠</m:t>
                       </m:r>
@@ -10150,7 +10253,7 @@
             </p:txBody>
           </p:sp>
         </mc:Choice>
-        <mc:Fallback>
+        <mc:Fallback xmlns="">
           <p:sp>
             <p:nvSpPr>
               <p:cNvPr id="27" name="TextBox 26">
@@ -10195,8 +10298,8 @@
           </p:sp>
         </mc:Fallback>
       </mc:AlternateContent>
-      <mc:AlternateContent xmlns:mc="http://schemas.openxmlformats.org/markup-compatibility/2006">
-        <mc:Choice xmlns:a14="http://schemas.microsoft.com/office/drawing/2010/main" Requires="a14">
+      <mc:AlternateContent xmlns:mc="http://schemas.openxmlformats.org/markup-compatibility/2006" xmlns:a14="http://schemas.microsoft.com/office/drawing/2010/main">
+        <mc:Choice Requires="a14">
           <p:sp>
             <p:nvSpPr>
               <p:cNvPr id="28" name="TextBox 27">
@@ -10233,7 +10336,7 @@
                   <m:oMath xmlns:m="http://schemas.openxmlformats.org/officeDocument/2006/math">
                     <m:r>
                       <a:rPr lang="en-US" sz="1000" b="0" i="1" dirty="0" smtClean="0">
-                        <a:latin typeface="+mj-lt"/>
+                        <a:latin typeface="Cambria Math" panose="02040503050406030204" pitchFamily="18" charset="0"/>
                       </a:rPr>
                       <m:t>/</m:t>
                     </m:r>
@@ -10271,7 +10374,7 @@
             </p:txBody>
           </p:sp>
         </mc:Choice>
-        <mc:Fallback>
+        <mc:Fallback xmlns="">
           <p:sp>
             <p:nvSpPr>
               <p:cNvPr id="28" name="TextBox 27">
@@ -10316,8 +10419,8 @@
           </p:sp>
         </mc:Fallback>
       </mc:AlternateContent>
-      <mc:AlternateContent xmlns:mc="http://schemas.openxmlformats.org/markup-compatibility/2006">
-        <mc:Choice xmlns:a14="http://schemas.microsoft.com/office/drawing/2010/main" Requires="a14">
+      <mc:AlternateContent xmlns:mc="http://schemas.openxmlformats.org/markup-compatibility/2006" xmlns:a14="http://schemas.microsoft.com/office/drawing/2010/main">
+        <mc:Choice Requires="a14">
           <p:sp>
             <p:nvSpPr>
               <p:cNvPr id="29" name="TextBox 28">
@@ -10346,6 +10449,7 @@
               </a:bodyPr>
               <a:lstStyle/>
               <a:p>
+                <a:pPr/>
                 <a14:m>
                   <m:oMathPara xmlns:m="http://schemas.openxmlformats.org/officeDocument/2006/math">
                     <m:oMathParaPr>
@@ -10354,19 +10458,19 @@
                     <m:oMath xmlns:m="http://schemas.openxmlformats.org/officeDocument/2006/math">
                       <m:r>
                         <a:rPr lang="en-US" sz="1000" b="0" i="1" dirty="0" smtClean="0">
-                          <a:latin typeface="+mj-lt"/>
+                          <a:latin typeface="Cambria Math" panose="02040503050406030204" pitchFamily="18" charset="0"/>
                         </a:rPr>
                         <m:t>𝑚</m:t>
                       </m:r>
                       <m:r>
                         <a:rPr lang="en-US" sz="1000" b="0" i="1" dirty="0" smtClean="0">
-                          <a:latin typeface="+mj-lt"/>
+                          <a:latin typeface="Cambria Math" panose="02040503050406030204" pitchFamily="18" charset="0"/>
                         </a:rPr>
                         <m:t>/</m:t>
                       </m:r>
                       <m:r>
                         <a:rPr lang="en-US" sz="1000" b="0" i="1" dirty="0" smtClean="0">
-                          <a:latin typeface="+mj-lt"/>
+                          <a:latin typeface="Cambria Math" panose="02040503050406030204" pitchFamily="18" charset="0"/>
                         </a:rPr>
                         <m:t>𝑠</m:t>
                       </m:r>
@@ -10380,7 +10484,7 @@
             </p:txBody>
           </p:sp>
         </mc:Choice>
-        <mc:Fallback>
+        <mc:Fallback xmlns="">
           <p:sp>
             <p:nvSpPr>
               <p:cNvPr id="29" name="TextBox 28">
@@ -10425,8 +10529,8 @@
           </p:sp>
         </mc:Fallback>
       </mc:AlternateContent>
-      <mc:AlternateContent xmlns:mc="http://schemas.openxmlformats.org/markup-compatibility/2006">
-        <mc:Choice xmlns:a14="http://schemas.microsoft.com/office/drawing/2010/main" Requires="a14">
+      <mc:AlternateContent xmlns:mc="http://schemas.openxmlformats.org/markup-compatibility/2006" xmlns:a14="http://schemas.microsoft.com/office/drawing/2010/main">
+        <mc:Choice Requires="a14">
           <p:sp>
             <p:nvSpPr>
               <p:cNvPr id="30" name="TextBox 29">
@@ -10455,6 +10559,7 @@
               </a:bodyPr>
               <a:lstStyle/>
               <a:p>
+                <a:pPr/>
                 <a14:m>
                   <m:oMathPara xmlns:m="http://schemas.openxmlformats.org/officeDocument/2006/math">
                     <m:oMathParaPr>
@@ -10463,19 +10568,19 @@
                     <m:oMath xmlns:m="http://schemas.openxmlformats.org/officeDocument/2006/math">
                       <m:r>
                         <a:rPr lang="en-US" sz="1000" b="0" i="1" dirty="0" smtClean="0">
-                          <a:latin typeface="+mj-lt"/>
+                          <a:latin typeface="Cambria Math" panose="02040503050406030204" pitchFamily="18" charset="0"/>
                         </a:rPr>
                         <m:t>𝑚</m:t>
                       </m:r>
                       <m:r>
                         <a:rPr lang="en-US" sz="1000" b="0" i="1" dirty="0" smtClean="0">
-                          <a:latin typeface="+mj-lt"/>
+                          <a:latin typeface="Cambria Math" panose="02040503050406030204" pitchFamily="18" charset="0"/>
                         </a:rPr>
                         <m:t>/</m:t>
                       </m:r>
                       <m:r>
                         <a:rPr lang="en-US" sz="1000" b="0" i="1" dirty="0" smtClean="0">
-                          <a:latin typeface="+mj-lt"/>
+                          <a:latin typeface="Cambria Math" panose="02040503050406030204" pitchFamily="18" charset="0"/>
                         </a:rPr>
                         <m:t>𝑠</m:t>
                       </m:r>
@@ -10489,7 +10594,7 @@
             </p:txBody>
           </p:sp>
         </mc:Choice>
-        <mc:Fallback>
+        <mc:Fallback xmlns="">
           <p:sp>
             <p:nvSpPr>
               <p:cNvPr id="30" name="TextBox 29">
@@ -10534,8 +10639,8 @@
           </p:sp>
         </mc:Fallback>
       </mc:AlternateContent>
-      <mc:AlternateContent xmlns:mc="http://schemas.openxmlformats.org/markup-compatibility/2006">
-        <mc:Choice xmlns:a14="http://schemas.microsoft.com/office/drawing/2010/main" Requires="a14">
+      <mc:AlternateContent xmlns:mc="http://schemas.openxmlformats.org/markup-compatibility/2006" xmlns:a14="http://schemas.microsoft.com/office/drawing/2010/main">
+        <mc:Choice Requires="a14">
           <p:sp>
             <p:nvSpPr>
               <p:cNvPr id="31" name="TextBox 30">
@@ -10572,7 +10677,7 @@
                   <m:oMath xmlns:m="http://schemas.openxmlformats.org/officeDocument/2006/math">
                     <m:r>
                       <a:rPr lang="en-US" sz="1000" b="0" i="1" dirty="0" smtClean="0">
-                        <a:latin typeface="+mj-lt"/>
+                        <a:latin typeface="Cambria Math" panose="02040503050406030204" pitchFamily="18" charset="0"/>
                       </a:rPr>
                       <m:t>/</m:t>
                     </m:r>
@@ -10610,7 +10715,7 @@
             </p:txBody>
           </p:sp>
         </mc:Choice>
-        <mc:Fallback>
+        <mc:Fallback xmlns="">
           <p:sp>
             <p:nvSpPr>
               <p:cNvPr id="31" name="TextBox 30">
@@ -11057,8 +11162,8 @@
           </a:p>
         </p:txBody>
       </p:sp>
-      <mc:AlternateContent xmlns:mc="http://schemas.openxmlformats.org/markup-compatibility/2006">
-        <mc:Choice xmlns:a14="http://schemas.microsoft.com/office/drawing/2010/main" Requires="a14">
+      <mc:AlternateContent xmlns:mc="http://schemas.openxmlformats.org/markup-compatibility/2006" xmlns:a14="http://schemas.microsoft.com/office/drawing/2010/main">
+        <mc:Choice Requires="a14">
           <p:sp>
             <p:nvSpPr>
               <p:cNvPr id="16" name="TextBox 15">
@@ -11087,6 +11192,7 @@
               </a:bodyPr>
               <a:lstStyle/>
               <a:p>
+                <a:pPr/>
                 <a14:m>
                   <m:oMathPara xmlns:m="http://schemas.openxmlformats.org/officeDocument/2006/math">
                     <m:oMathParaPr>
@@ -11126,7 +11232,7 @@
             </p:txBody>
           </p:sp>
         </mc:Choice>
-        <mc:Fallback>
+        <mc:Fallback xmlns="">
           <p:sp>
             <p:nvSpPr>
               <p:cNvPr id="16" name="TextBox 15">
@@ -11171,8 +11277,8 @@
           </p:sp>
         </mc:Fallback>
       </mc:AlternateContent>
-      <mc:AlternateContent xmlns:mc="http://schemas.openxmlformats.org/markup-compatibility/2006">
-        <mc:Choice xmlns:a14="http://schemas.microsoft.com/office/drawing/2010/main" Requires="a14">
+      <mc:AlternateContent xmlns:mc="http://schemas.openxmlformats.org/markup-compatibility/2006" xmlns:a14="http://schemas.microsoft.com/office/drawing/2010/main">
+        <mc:Choice Requires="a14">
           <p:sp>
             <p:nvSpPr>
               <p:cNvPr id="17" name="TextBox 16">
@@ -11201,6 +11307,7 @@
               </a:bodyPr>
               <a:lstStyle/>
               <a:p>
+                <a:pPr/>
                 <a14:m>
                   <m:oMathPara xmlns:m="http://schemas.openxmlformats.org/officeDocument/2006/math">
                     <m:oMathParaPr>
@@ -11240,7 +11347,7 @@
             </p:txBody>
           </p:sp>
         </mc:Choice>
-        <mc:Fallback>
+        <mc:Fallback xmlns="">
           <p:sp>
             <p:nvSpPr>
               <p:cNvPr id="17" name="TextBox 16">
@@ -11285,8 +11392,8 @@
           </p:sp>
         </mc:Fallback>
       </mc:AlternateContent>
-      <mc:AlternateContent xmlns:mc="http://schemas.openxmlformats.org/markup-compatibility/2006">
-        <mc:Choice xmlns:a14="http://schemas.microsoft.com/office/drawing/2010/main" Requires="a14">
+      <mc:AlternateContent xmlns:mc="http://schemas.openxmlformats.org/markup-compatibility/2006" xmlns:a14="http://schemas.microsoft.com/office/drawing/2010/main">
+        <mc:Choice Requires="a14">
           <p:sp>
             <p:nvSpPr>
               <p:cNvPr id="18" name="TextBox 17">
@@ -11315,6 +11422,7 @@
               </a:bodyPr>
               <a:lstStyle/>
               <a:p>
+                <a:pPr/>
                 <a14:m>
                   <m:oMathPara xmlns:m="http://schemas.openxmlformats.org/officeDocument/2006/math">
                     <m:oMathParaPr>
@@ -11336,7 +11444,7 @@
             </p:txBody>
           </p:sp>
         </mc:Choice>
-        <mc:Fallback>
+        <mc:Fallback xmlns="">
           <p:sp>
             <p:nvSpPr>
               <p:cNvPr id="18" name="TextBox 17">
@@ -11381,8 +11489,8 @@
           </p:sp>
         </mc:Fallback>
       </mc:AlternateContent>
-      <mc:AlternateContent xmlns:mc="http://schemas.openxmlformats.org/markup-compatibility/2006">
-        <mc:Choice xmlns:a14="http://schemas.microsoft.com/office/drawing/2010/main" Requires="a14">
+      <mc:AlternateContent xmlns:mc="http://schemas.openxmlformats.org/markup-compatibility/2006" xmlns:a14="http://schemas.microsoft.com/office/drawing/2010/main">
+        <mc:Choice Requires="a14">
           <p:sp>
             <p:nvSpPr>
               <p:cNvPr id="19" name="TextBox 18">
@@ -11411,6 +11519,7 @@
               </a:bodyPr>
               <a:lstStyle/>
               <a:p>
+                <a:pPr/>
                 <a14:m>
                   <m:oMathPara xmlns:m="http://schemas.openxmlformats.org/officeDocument/2006/math">
                     <m:oMathParaPr>
@@ -11450,7 +11559,7 @@
             </p:txBody>
           </p:sp>
         </mc:Choice>
-        <mc:Fallback>
+        <mc:Fallback xmlns="">
           <p:sp>
             <p:nvSpPr>
               <p:cNvPr id="19" name="TextBox 18">
@@ -11495,8 +11604,8 @@
           </p:sp>
         </mc:Fallback>
       </mc:AlternateContent>
-      <mc:AlternateContent xmlns:mc="http://schemas.openxmlformats.org/markup-compatibility/2006">
-        <mc:Choice xmlns:a14="http://schemas.microsoft.com/office/drawing/2010/main" Requires="a14">
+      <mc:AlternateContent xmlns:mc="http://schemas.openxmlformats.org/markup-compatibility/2006" xmlns:a14="http://schemas.microsoft.com/office/drawing/2010/main">
+        <mc:Choice Requires="a14">
           <p:sp>
             <p:nvSpPr>
               <p:cNvPr id="20" name="TextBox 19">
@@ -11525,6 +11634,7 @@
               </a:bodyPr>
               <a:lstStyle/>
               <a:p>
+                <a:pPr/>
                 <a14:m>
                   <m:oMathPara xmlns:m="http://schemas.openxmlformats.org/officeDocument/2006/math">
                     <m:oMathParaPr>
@@ -11564,7 +11674,7 @@
             </p:txBody>
           </p:sp>
         </mc:Choice>
-        <mc:Fallback>
+        <mc:Fallback xmlns="">
           <p:sp>
             <p:nvSpPr>
               <p:cNvPr id="20" name="TextBox 19">
@@ -11609,8 +11719,8 @@
           </p:sp>
         </mc:Fallback>
       </mc:AlternateContent>
-      <mc:AlternateContent xmlns:mc="http://schemas.openxmlformats.org/markup-compatibility/2006">
-        <mc:Choice xmlns:a14="http://schemas.microsoft.com/office/drawing/2010/main" Requires="a14">
+      <mc:AlternateContent xmlns:mc="http://schemas.openxmlformats.org/markup-compatibility/2006" xmlns:a14="http://schemas.microsoft.com/office/drawing/2010/main">
+        <mc:Choice Requires="a14">
           <p:sp>
             <p:nvSpPr>
               <p:cNvPr id="21" name="TextBox 20">
@@ -11639,6 +11749,7 @@
               </a:bodyPr>
               <a:lstStyle/>
               <a:p>
+                <a:pPr/>
                 <a14:m>
                   <m:oMathPara xmlns:m="http://schemas.openxmlformats.org/officeDocument/2006/math">
                     <m:oMathParaPr>
@@ -11660,7 +11771,7 @@
             </p:txBody>
           </p:sp>
         </mc:Choice>
-        <mc:Fallback>
+        <mc:Fallback xmlns="">
           <p:sp>
             <p:nvSpPr>
               <p:cNvPr id="21" name="TextBox 20">
@@ -11705,8 +11816,8 @@
           </p:sp>
         </mc:Fallback>
       </mc:AlternateContent>
-      <mc:AlternateContent xmlns:mc="http://schemas.openxmlformats.org/markup-compatibility/2006">
-        <mc:Choice xmlns:a14="http://schemas.microsoft.com/office/drawing/2010/main" Requires="a14">
+      <mc:AlternateContent xmlns:mc="http://schemas.openxmlformats.org/markup-compatibility/2006" xmlns:a14="http://schemas.microsoft.com/office/drawing/2010/main">
+        <mc:Choice Requires="a14">
           <p:sp>
             <p:nvSpPr>
               <p:cNvPr id="22" name="TextBox 21">
@@ -11735,6 +11846,7 @@
               </a:bodyPr>
               <a:lstStyle/>
               <a:p>
+                <a:pPr/>
                 <a14:m>
                   <m:oMathPara xmlns:m="http://schemas.openxmlformats.org/officeDocument/2006/math">
                     <m:oMathParaPr>
@@ -11756,7 +11868,7 @@
             </p:txBody>
           </p:sp>
         </mc:Choice>
-        <mc:Fallback>
+        <mc:Fallback xmlns="">
           <p:sp>
             <p:nvSpPr>
               <p:cNvPr id="22" name="TextBox 21">
@@ -11801,8 +11913,8 @@
           </p:sp>
         </mc:Fallback>
       </mc:AlternateContent>
-      <mc:AlternateContent xmlns:mc="http://schemas.openxmlformats.org/markup-compatibility/2006">
-        <mc:Choice xmlns:a14="http://schemas.microsoft.com/office/drawing/2010/main" Requires="a14">
+      <mc:AlternateContent xmlns:mc="http://schemas.openxmlformats.org/markup-compatibility/2006" xmlns:a14="http://schemas.microsoft.com/office/drawing/2010/main">
+        <mc:Choice Requires="a14">
           <p:sp>
             <p:nvSpPr>
               <p:cNvPr id="23" name="TextBox 22">
@@ -11831,6 +11943,7 @@
               </a:bodyPr>
               <a:lstStyle/>
               <a:p>
+                <a:pPr/>
                 <a14:m>
                   <m:oMathPara xmlns:m="http://schemas.openxmlformats.org/officeDocument/2006/math">
                     <m:oMathParaPr>
@@ -11852,7 +11965,7 @@
             </p:txBody>
           </p:sp>
         </mc:Choice>
-        <mc:Fallback>
+        <mc:Fallback xmlns="">
           <p:sp>
             <p:nvSpPr>
               <p:cNvPr id="23" name="TextBox 22">
@@ -11897,8 +12010,8 @@
           </p:sp>
         </mc:Fallback>
       </mc:AlternateContent>
-      <mc:AlternateContent xmlns:mc="http://schemas.openxmlformats.org/markup-compatibility/2006">
-        <mc:Choice xmlns:a14="http://schemas.microsoft.com/office/drawing/2010/main" Requires="a14">
+      <mc:AlternateContent xmlns:mc="http://schemas.openxmlformats.org/markup-compatibility/2006" xmlns:a14="http://schemas.microsoft.com/office/drawing/2010/main">
+        <mc:Choice Requires="a14">
           <p:sp>
             <p:nvSpPr>
               <p:cNvPr id="24" name="TextBox 23">
@@ -11927,6 +12040,7 @@
               </a:bodyPr>
               <a:lstStyle/>
               <a:p>
+                <a:pPr/>
                 <a14:m>
                   <m:oMathPara xmlns:m="http://schemas.openxmlformats.org/officeDocument/2006/math">
                     <m:oMathParaPr>
@@ -11966,7 +12080,7 @@
             </p:txBody>
           </p:sp>
         </mc:Choice>
-        <mc:Fallback>
+        <mc:Fallback xmlns="">
           <p:sp>
             <p:nvSpPr>
               <p:cNvPr id="24" name="TextBox 23">
@@ -12011,8 +12125,8 @@
           </p:sp>
         </mc:Fallback>
       </mc:AlternateContent>
-      <mc:AlternateContent xmlns:mc="http://schemas.openxmlformats.org/markup-compatibility/2006">
-        <mc:Choice xmlns:a14="http://schemas.microsoft.com/office/drawing/2010/main" Requires="a14">
+      <mc:AlternateContent xmlns:mc="http://schemas.openxmlformats.org/markup-compatibility/2006" xmlns:a14="http://schemas.microsoft.com/office/drawing/2010/main">
+        <mc:Choice Requires="a14">
           <p:sp>
             <p:nvSpPr>
               <p:cNvPr id="25" name="TextBox 24">
@@ -12041,6 +12155,7 @@
               </a:bodyPr>
               <a:lstStyle/>
               <a:p>
+                <a:pPr/>
                 <a14:m>
                   <m:oMathPara xmlns:m="http://schemas.openxmlformats.org/officeDocument/2006/math">
                     <m:oMathParaPr>
@@ -12049,19 +12164,19 @@
                     <m:oMath xmlns:m="http://schemas.openxmlformats.org/officeDocument/2006/math">
                       <m:r>
                         <a:rPr lang="en-US" sz="1000" b="0" i="1" dirty="0" smtClean="0">
-                          <a:latin typeface="+mj-lt"/>
+                          <a:latin typeface="Cambria Math" panose="02040503050406030204" pitchFamily="18" charset="0"/>
                         </a:rPr>
                         <m:t>𝑚</m:t>
                       </m:r>
                       <m:r>
                         <a:rPr lang="en-US" sz="1000" b="0" i="1" dirty="0" smtClean="0">
-                          <a:latin typeface="+mj-lt"/>
+                          <a:latin typeface="Cambria Math" panose="02040503050406030204" pitchFamily="18" charset="0"/>
                         </a:rPr>
                         <m:t>/</m:t>
                       </m:r>
                       <m:r>
                         <a:rPr lang="en-US" sz="1000" b="0" i="1" dirty="0" smtClean="0">
-                          <a:latin typeface="+mj-lt"/>
+                          <a:latin typeface="Cambria Math" panose="02040503050406030204" pitchFamily="18" charset="0"/>
                         </a:rPr>
                         <m:t>𝑠</m:t>
                       </m:r>
@@ -12075,7 +12190,7 @@
             </p:txBody>
           </p:sp>
         </mc:Choice>
-        <mc:Fallback>
+        <mc:Fallback xmlns="">
           <p:sp>
             <p:nvSpPr>
               <p:cNvPr id="25" name="TextBox 24">
@@ -12120,8 +12235,8 @@
           </p:sp>
         </mc:Fallback>
       </mc:AlternateContent>
-      <mc:AlternateContent xmlns:mc="http://schemas.openxmlformats.org/markup-compatibility/2006">
-        <mc:Choice xmlns:a14="http://schemas.microsoft.com/office/drawing/2010/main" Requires="a14">
+      <mc:AlternateContent xmlns:mc="http://schemas.openxmlformats.org/markup-compatibility/2006" xmlns:a14="http://schemas.microsoft.com/office/drawing/2010/main">
+        <mc:Choice Requires="a14">
           <p:sp>
             <p:nvSpPr>
               <p:cNvPr id="26" name="TextBox 25">
@@ -12150,6 +12265,7 @@
               </a:bodyPr>
               <a:lstStyle/>
               <a:p>
+                <a:pPr/>
                 <a14:m>
                   <m:oMathPara xmlns:m="http://schemas.openxmlformats.org/officeDocument/2006/math">
                     <m:oMathParaPr>
@@ -12158,19 +12274,19 @@
                     <m:oMath xmlns:m="http://schemas.openxmlformats.org/officeDocument/2006/math">
                       <m:r>
                         <a:rPr lang="en-US" sz="1000" b="0" i="1" dirty="0" smtClean="0">
-                          <a:latin typeface="+mj-lt"/>
+                          <a:latin typeface="Cambria Math" panose="02040503050406030204" pitchFamily="18" charset="0"/>
                         </a:rPr>
                         <m:t>𝑚</m:t>
                       </m:r>
                       <m:r>
                         <a:rPr lang="en-US" sz="1000" b="0" i="1" dirty="0" smtClean="0">
-                          <a:latin typeface="+mj-lt"/>
+                          <a:latin typeface="Cambria Math" panose="02040503050406030204" pitchFamily="18" charset="0"/>
                         </a:rPr>
                         <m:t>/</m:t>
                       </m:r>
                       <m:r>
                         <a:rPr lang="en-US" sz="1000" b="0" i="1" dirty="0" smtClean="0">
-                          <a:latin typeface="+mj-lt"/>
+                          <a:latin typeface="Cambria Math" panose="02040503050406030204" pitchFamily="18" charset="0"/>
                         </a:rPr>
                         <m:t>𝑠</m:t>
                       </m:r>
@@ -12184,7 +12300,7 @@
             </p:txBody>
           </p:sp>
         </mc:Choice>
-        <mc:Fallback>
+        <mc:Fallback xmlns="">
           <p:sp>
             <p:nvSpPr>
               <p:cNvPr id="26" name="TextBox 25">
@@ -12229,8 +12345,8 @@
           </p:sp>
         </mc:Fallback>
       </mc:AlternateContent>
-      <mc:AlternateContent xmlns:mc="http://schemas.openxmlformats.org/markup-compatibility/2006">
-        <mc:Choice xmlns:a14="http://schemas.microsoft.com/office/drawing/2010/main" Requires="a14">
+      <mc:AlternateContent xmlns:mc="http://schemas.openxmlformats.org/markup-compatibility/2006" xmlns:a14="http://schemas.microsoft.com/office/drawing/2010/main">
+        <mc:Choice Requires="a14">
           <p:sp>
             <p:nvSpPr>
               <p:cNvPr id="27" name="TextBox 26">
@@ -12267,7 +12383,7 @@
                   <m:oMath xmlns:m="http://schemas.openxmlformats.org/officeDocument/2006/math">
                     <m:r>
                       <a:rPr lang="en-US" sz="1000" b="0" i="1" dirty="0" smtClean="0">
-                        <a:latin typeface="+mj-lt"/>
+                        <a:latin typeface="Cambria Math" panose="02040503050406030204" pitchFamily="18" charset="0"/>
                       </a:rPr>
                       <m:t>/</m:t>
                     </m:r>
@@ -12305,7 +12421,7 @@
             </p:txBody>
           </p:sp>
         </mc:Choice>
-        <mc:Fallback>
+        <mc:Fallback xmlns="">
           <p:sp>
             <p:nvSpPr>
               <p:cNvPr id="27" name="TextBox 26">
@@ -12350,8 +12466,8 @@
           </p:sp>
         </mc:Fallback>
       </mc:AlternateContent>
-      <mc:AlternateContent xmlns:mc="http://schemas.openxmlformats.org/markup-compatibility/2006">
-        <mc:Choice xmlns:a14="http://schemas.microsoft.com/office/drawing/2010/main" Requires="a14">
+      <mc:AlternateContent xmlns:mc="http://schemas.openxmlformats.org/markup-compatibility/2006" xmlns:a14="http://schemas.microsoft.com/office/drawing/2010/main">
+        <mc:Choice Requires="a14">
           <p:sp>
             <p:nvSpPr>
               <p:cNvPr id="28" name="TextBox 27">
@@ -12380,6 +12496,7 @@
               </a:bodyPr>
               <a:lstStyle/>
               <a:p>
+                <a:pPr/>
                 <a14:m>
                   <m:oMathPara xmlns:m="http://schemas.openxmlformats.org/officeDocument/2006/math">
                     <m:oMathParaPr>
@@ -12388,19 +12505,19 @@
                     <m:oMath xmlns:m="http://schemas.openxmlformats.org/officeDocument/2006/math">
                       <m:r>
                         <a:rPr lang="en-US" sz="1000" b="0" i="1" dirty="0" smtClean="0">
-                          <a:latin typeface="+mj-lt"/>
+                          <a:latin typeface="Cambria Math" panose="02040503050406030204" pitchFamily="18" charset="0"/>
                         </a:rPr>
                         <m:t>𝑚</m:t>
                       </m:r>
                       <m:r>
                         <a:rPr lang="en-US" sz="1000" b="0" i="1" dirty="0" smtClean="0">
-                          <a:latin typeface="+mj-lt"/>
+                          <a:latin typeface="Cambria Math" panose="02040503050406030204" pitchFamily="18" charset="0"/>
                         </a:rPr>
                         <m:t>/</m:t>
                       </m:r>
                       <m:r>
                         <a:rPr lang="en-US" sz="1000" b="0" i="1" dirty="0" smtClean="0">
-                          <a:latin typeface="+mj-lt"/>
+                          <a:latin typeface="Cambria Math" panose="02040503050406030204" pitchFamily="18" charset="0"/>
                         </a:rPr>
                         <m:t>𝑠</m:t>
                       </m:r>
@@ -12414,7 +12531,7 @@
             </p:txBody>
           </p:sp>
         </mc:Choice>
-        <mc:Fallback>
+        <mc:Fallback xmlns="">
           <p:sp>
             <p:nvSpPr>
               <p:cNvPr id="28" name="TextBox 27">
@@ -12459,8 +12576,8 @@
           </p:sp>
         </mc:Fallback>
       </mc:AlternateContent>
-      <mc:AlternateContent xmlns:mc="http://schemas.openxmlformats.org/markup-compatibility/2006">
-        <mc:Choice xmlns:a14="http://schemas.microsoft.com/office/drawing/2010/main" Requires="a14">
+      <mc:AlternateContent xmlns:mc="http://schemas.openxmlformats.org/markup-compatibility/2006" xmlns:a14="http://schemas.microsoft.com/office/drawing/2010/main">
+        <mc:Choice Requires="a14">
           <p:sp>
             <p:nvSpPr>
               <p:cNvPr id="29" name="TextBox 28">
@@ -12489,6 +12606,7 @@
               </a:bodyPr>
               <a:lstStyle/>
               <a:p>
+                <a:pPr/>
                 <a14:m>
                   <m:oMathPara xmlns:m="http://schemas.openxmlformats.org/officeDocument/2006/math">
                     <m:oMathParaPr>
@@ -12497,19 +12615,19 @@
                     <m:oMath xmlns:m="http://schemas.openxmlformats.org/officeDocument/2006/math">
                       <m:r>
                         <a:rPr lang="en-US" sz="1000" b="0" i="1" dirty="0" smtClean="0">
-                          <a:latin typeface="+mj-lt"/>
+                          <a:latin typeface="Cambria Math" panose="02040503050406030204" pitchFamily="18" charset="0"/>
                         </a:rPr>
                         <m:t>𝑚</m:t>
                       </m:r>
                       <m:r>
                         <a:rPr lang="en-US" sz="1000" b="0" i="1" dirty="0" smtClean="0">
-                          <a:latin typeface="+mj-lt"/>
+                          <a:latin typeface="Cambria Math" panose="02040503050406030204" pitchFamily="18" charset="0"/>
                         </a:rPr>
                         <m:t>/</m:t>
                       </m:r>
                       <m:r>
                         <a:rPr lang="en-US" sz="1000" b="0" i="1" dirty="0" smtClean="0">
-                          <a:latin typeface="+mj-lt"/>
+                          <a:latin typeface="Cambria Math" panose="02040503050406030204" pitchFamily="18" charset="0"/>
                         </a:rPr>
                         <m:t>𝑠</m:t>
                       </m:r>
@@ -12523,7 +12641,7 @@
             </p:txBody>
           </p:sp>
         </mc:Choice>
-        <mc:Fallback>
+        <mc:Fallback xmlns="">
           <p:sp>
             <p:nvSpPr>
               <p:cNvPr id="29" name="TextBox 28">
@@ -12568,8 +12686,8 @@
           </p:sp>
         </mc:Fallback>
       </mc:AlternateContent>
-      <mc:AlternateContent xmlns:mc="http://schemas.openxmlformats.org/markup-compatibility/2006">
-        <mc:Choice xmlns:a14="http://schemas.microsoft.com/office/drawing/2010/main" Requires="a14">
+      <mc:AlternateContent xmlns:mc="http://schemas.openxmlformats.org/markup-compatibility/2006" xmlns:a14="http://schemas.microsoft.com/office/drawing/2010/main">
+        <mc:Choice Requires="a14">
           <p:sp>
             <p:nvSpPr>
               <p:cNvPr id="30" name="TextBox 29">
@@ -12606,7 +12724,7 @@
                   <m:oMath xmlns:m="http://schemas.openxmlformats.org/officeDocument/2006/math">
                     <m:r>
                       <a:rPr lang="en-US" sz="1000" b="0" i="1" dirty="0" smtClean="0">
-                        <a:latin typeface="+mj-lt"/>
+                        <a:latin typeface="Cambria Math" panose="02040503050406030204" pitchFamily="18" charset="0"/>
                       </a:rPr>
                       <m:t>/</m:t>
                     </m:r>
@@ -12644,7 +12762,7 @@
             </p:txBody>
           </p:sp>
         </mc:Choice>
-        <mc:Fallback>
+        <mc:Fallback xmlns="">
           <p:sp>
             <p:nvSpPr>
               <p:cNvPr id="30" name="TextBox 29">
@@ -12689,6 +12807,76 @@
           </p:sp>
         </mc:Fallback>
       </mc:AlternateContent>
+      <p:sp>
+        <p:nvSpPr>
+          <p:cNvPr id="2" name="TextBox 1">
+            <a:extLst>
+              <a:ext uri="{FF2B5EF4-FFF2-40B4-BE49-F238E27FC236}">
+                <a16:creationId xmlns:a16="http://schemas.microsoft.com/office/drawing/2014/main" id="{8B6E9778-7C20-1A68-581C-A9F04B527928}"/>
+              </a:ext>
+            </a:extLst>
+          </p:cNvPr>
+          <p:cNvSpPr txBox="1"/>
+          <p:nvPr/>
+        </p:nvSpPr>
+        <p:spPr>
+          <a:xfrm>
+            <a:off x="1893615" y="1146579"/>
+            <a:ext cx="891719" cy="276999"/>
+          </a:xfrm>
+          <a:prstGeom prst="rect">
+            <a:avLst/>
+          </a:prstGeom>
+          <a:noFill/>
+        </p:spPr>
+        <p:txBody>
+          <a:bodyPr wrap="none" rtlCol="0">
+            <a:spAutoFit/>
+          </a:bodyPr>
+          <a:lstStyle/>
+          <a:p>
+            <a:r>
+              <a:rPr lang="en-US" sz="1200" dirty="0"/>
+              <a:t>Not update</a:t>
+            </a:r>
+          </a:p>
+        </p:txBody>
+      </p:sp>
+      <p:sp>
+        <p:nvSpPr>
+          <p:cNvPr id="3" name="TextBox 2">
+            <a:extLst>
+              <a:ext uri="{FF2B5EF4-FFF2-40B4-BE49-F238E27FC236}">
+                <a16:creationId xmlns:a16="http://schemas.microsoft.com/office/drawing/2014/main" id="{E170F264-6851-6057-089D-A9BBDB364C36}"/>
+              </a:ext>
+            </a:extLst>
+          </p:cNvPr>
+          <p:cNvSpPr txBox="1"/>
+          <p:nvPr/>
+        </p:nvSpPr>
+        <p:spPr>
+          <a:xfrm>
+            <a:off x="4436001" y="1146578"/>
+            <a:ext cx="891719" cy="276999"/>
+          </a:xfrm>
+          <a:prstGeom prst="rect">
+            <a:avLst/>
+          </a:prstGeom>
+          <a:noFill/>
+        </p:spPr>
+        <p:txBody>
+          <a:bodyPr wrap="none" rtlCol="0">
+            <a:spAutoFit/>
+          </a:bodyPr>
+          <a:lstStyle/>
+          <a:p>
+            <a:r>
+              <a:rPr lang="en-US" sz="1200" dirty="0"/>
+              <a:t>Not update</a:t>
+            </a:r>
+          </a:p>
+        </p:txBody>
+      </p:sp>
     </p:spTree>
     <p:extLst>
       <p:ext uri="{BB962C8B-B14F-4D97-AF65-F5344CB8AC3E}">
